--- a/docs/slides/09/09_regex.pptx
+++ b/docs/slides/09/09_regex.pptx
@@ -2204,7 +2204,7 @@
           </a:ln>
           <a:extLst>
             <a:ext uri="{C572A759-6A51-4108-AA02-DFA0A04FC94B}">
-              <ma14:wrappingTextBoxFlag xmlns:ma14="http://schemas.microsoft.com/office/mac/drawingml/2011/main" val="1"/>
+              <ma14:wrappingTextBoxFlag xmlns:ma14="http://schemas.microsoft.com/office/mac/drawingml/2011/main" xmlns="" val="1"/>
             </a:ext>
           </a:extLst>
         </p:spPr>
@@ -2243,7 +2243,7 @@
           </a:ln>
           <a:extLst>
             <a:ext uri="{C572A759-6A51-4108-AA02-DFA0A04FC94B}">
-              <ma14:wrappingTextBoxFlag xmlns:ma14="http://schemas.microsoft.com/office/mac/drawingml/2011/main" val="1"/>
+              <ma14:wrappingTextBoxFlag xmlns:ma14="http://schemas.microsoft.com/office/mac/drawingml/2011/main" xmlns="" val="1"/>
             </a:ext>
           </a:extLst>
         </p:spPr>
@@ -3232,8 +3232,16 @@
           <a:p>
             <a:pPr algn="r"/>
             <a:r>
+              <a:rPr lang="en-US" smtClean="0"/>
+              <a:t>Prof</a:t>
+            </a:r>
+            <a:r>
+              <a:rPr lang="en-US" smtClean="0"/>
+              <a:t>. </a:t>
+            </a:r>
+            <a:r>
               <a:rPr lang="en-US" dirty="0" smtClean="0"/>
-              <a:t>Dr. Andrea Arcuri</a:t>
+              <a:t>Andrea Arcuri</a:t>
             </a:r>
             <a:endParaRPr lang="en-US" dirty="0"/>
           </a:p>
@@ -3325,7 +3333,7 @@
         </p:spPr>
         <p:txBody>
           <a:bodyPr>
-            <a:normAutofit fontScale="92500"/>
+            <a:normAutofit lnSpcReduction="10000"/>
           </a:bodyPr>
           <a:lstStyle/>
           <a:p>
@@ -3560,63 +3568,63 @@
                 <a:gridCol w="632393">
                   <a:extLst>
                     <a:ext uri="{9D8B030D-6E8A-4147-A177-3AD203B41FA5}">
-                      <a16:colId xmlns:a16="http://schemas.microsoft.com/office/drawing/2014/main" xmlns="" val="3074741388"/>
+                      <a16:colId xmlns:a16="http://schemas.microsoft.com/office/drawing/2014/main" val="3074741388"/>
                     </a:ext>
                   </a:extLst>
                 </a:gridCol>
                 <a:gridCol w="632393">
                   <a:extLst>
                     <a:ext uri="{9D8B030D-6E8A-4147-A177-3AD203B41FA5}">
-                      <a16:colId xmlns:a16="http://schemas.microsoft.com/office/drawing/2014/main" xmlns="" val="3291294330"/>
+                      <a16:colId xmlns:a16="http://schemas.microsoft.com/office/drawing/2014/main" val="3291294330"/>
                     </a:ext>
                   </a:extLst>
                 </a:gridCol>
                 <a:gridCol w="632393">
                   <a:extLst>
                     <a:ext uri="{9D8B030D-6E8A-4147-A177-3AD203B41FA5}">
-                      <a16:colId xmlns:a16="http://schemas.microsoft.com/office/drawing/2014/main" xmlns="" val="2449873047"/>
+                      <a16:colId xmlns:a16="http://schemas.microsoft.com/office/drawing/2014/main" val="2449873047"/>
                     </a:ext>
                   </a:extLst>
                 </a:gridCol>
                 <a:gridCol w="632393">
                   <a:extLst>
                     <a:ext uri="{9D8B030D-6E8A-4147-A177-3AD203B41FA5}">
-                      <a16:colId xmlns:a16="http://schemas.microsoft.com/office/drawing/2014/main" xmlns="" val="1342379395"/>
+                      <a16:colId xmlns:a16="http://schemas.microsoft.com/office/drawing/2014/main" val="1342379395"/>
                     </a:ext>
                   </a:extLst>
                 </a:gridCol>
                 <a:gridCol w="632393">
                   <a:extLst>
                     <a:ext uri="{9D8B030D-6E8A-4147-A177-3AD203B41FA5}">
-                      <a16:colId xmlns:a16="http://schemas.microsoft.com/office/drawing/2014/main" xmlns="" val="2235243793"/>
+                      <a16:colId xmlns:a16="http://schemas.microsoft.com/office/drawing/2014/main" val="2235243793"/>
                     </a:ext>
                   </a:extLst>
                 </a:gridCol>
                 <a:gridCol w="632393">
                   <a:extLst>
                     <a:ext uri="{9D8B030D-6E8A-4147-A177-3AD203B41FA5}">
-                      <a16:colId xmlns:a16="http://schemas.microsoft.com/office/drawing/2014/main" xmlns="" val="2346815053"/>
+                      <a16:colId xmlns:a16="http://schemas.microsoft.com/office/drawing/2014/main" val="2346815053"/>
                     </a:ext>
                   </a:extLst>
                 </a:gridCol>
                 <a:gridCol w="632393">
                   <a:extLst>
                     <a:ext uri="{9D8B030D-6E8A-4147-A177-3AD203B41FA5}">
-                      <a16:colId xmlns:a16="http://schemas.microsoft.com/office/drawing/2014/main" xmlns="" val="1937363244"/>
+                      <a16:colId xmlns:a16="http://schemas.microsoft.com/office/drawing/2014/main" val="1937363244"/>
                     </a:ext>
                   </a:extLst>
                 </a:gridCol>
                 <a:gridCol w="632393">
                   <a:extLst>
                     <a:ext uri="{9D8B030D-6E8A-4147-A177-3AD203B41FA5}">
-                      <a16:colId xmlns:a16="http://schemas.microsoft.com/office/drawing/2014/main" xmlns="" val="2131676106"/>
+                      <a16:colId xmlns:a16="http://schemas.microsoft.com/office/drawing/2014/main" val="2131676106"/>
                     </a:ext>
                   </a:extLst>
                 </a:gridCol>
                 <a:gridCol w="632393">
                   <a:extLst>
                     <a:ext uri="{9D8B030D-6E8A-4147-A177-3AD203B41FA5}">
-                      <a16:colId xmlns:a16="http://schemas.microsoft.com/office/drawing/2014/main" xmlns="" val="2820348441"/>
+                      <a16:colId xmlns:a16="http://schemas.microsoft.com/office/drawing/2014/main" val="2820348441"/>
                     </a:ext>
                   </a:extLst>
                 </a:gridCol>
@@ -3782,7 +3790,7 @@
                 </a:tc>
                 <a:extLst>
                   <a:ext uri="{0D108BD9-81ED-4DB2-BD59-A6C34878D82A}">
-                    <a16:rowId xmlns:a16="http://schemas.microsoft.com/office/drawing/2014/main" xmlns="" val="1729245899"/>
+                    <a16:rowId xmlns:a16="http://schemas.microsoft.com/office/drawing/2014/main" val="1729245899"/>
                   </a:ext>
                 </a:extLst>
               </a:tr>
@@ -3971,7 +3979,7 @@
                 </a:tc>
                 <a:extLst>
                   <a:ext uri="{0D108BD9-81ED-4DB2-BD59-A6C34878D82A}">
-                    <a16:rowId xmlns:a16="http://schemas.microsoft.com/office/drawing/2014/main" xmlns="" val="1962690294"/>
+                    <a16:rowId xmlns:a16="http://schemas.microsoft.com/office/drawing/2014/main" val="1962690294"/>
                   </a:ext>
                 </a:extLst>
               </a:tr>
@@ -4097,7 +4105,7 @@
                 </a:tc>
                 <a:extLst>
                   <a:ext uri="{0D108BD9-81ED-4DB2-BD59-A6C34878D82A}">
-                    <a16:rowId xmlns:a16="http://schemas.microsoft.com/office/drawing/2014/main" xmlns="" val="3068662890"/>
+                    <a16:rowId xmlns:a16="http://schemas.microsoft.com/office/drawing/2014/main" val="3068662890"/>
                   </a:ext>
                 </a:extLst>
               </a:tr>
@@ -4223,7 +4231,7 @@
                 </a:tc>
                 <a:extLst>
                   <a:ext uri="{0D108BD9-81ED-4DB2-BD59-A6C34878D82A}">
-                    <a16:rowId xmlns:a16="http://schemas.microsoft.com/office/drawing/2014/main" xmlns="" val="4008272191"/>
+                    <a16:rowId xmlns:a16="http://schemas.microsoft.com/office/drawing/2014/main" val="4008272191"/>
                   </a:ext>
                 </a:extLst>
               </a:tr>
@@ -4349,7 +4357,7 @@
                 </a:tc>
                 <a:extLst>
                   <a:ext uri="{0D108BD9-81ED-4DB2-BD59-A6C34878D82A}">
-                    <a16:rowId xmlns:a16="http://schemas.microsoft.com/office/drawing/2014/main" xmlns="" val="21268555"/>
+                    <a16:rowId xmlns:a16="http://schemas.microsoft.com/office/drawing/2014/main" val="21268555"/>
                   </a:ext>
                 </a:extLst>
               </a:tr>
@@ -4472,7 +4480,7 @@
                 </a:tc>
                 <a:extLst>
                   <a:ext uri="{0D108BD9-81ED-4DB2-BD59-A6C34878D82A}">
-                    <a16:rowId xmlns:a16="http://schemas.microsoft.com/office/drawing/2014/main" xmlns="" val="3129877383"/>
+                    <a16:rowId xmlns:a16="http://schemas.microsoft.com/office/drawing/2014/main" val="3129877383"/>
                   </a:ext>
                 </a:extLst>
               </a:tr>
@@ -4598,7 +4606,7 @@
                 </a:tc>
                 <a:extLst>
                   <a:ext uri="{0D108BD9-81ED-4DB2-BD59-A6C34878D82A}">
-                    <a16:rowId xmlns:a16="http://schemas.microsoft.com/office/drawing/2014/main" xmlns="" val="2711449307"/>
+                    <a16:rowId xmlns:a16="http://schemas.microsoft.com/office/drawing/2014/main" val="2711449307"/>
                   </a:ext>
                 </a:extLst>
               </a:tr>
@@ -4724,7 +4732,7 @@
                 </a:tc>
                 <a:extLst>
                   <a:ext uri="{0D108BD9-81ED-4DB2-BD59-A6C34878D82A}">
-                    <a16:rowId xmlns:a16="http://schemas.microsoft.com/office/drawing/2014/main" xmlns="" val="1899560271"/>
+                    <a16:rowId xmlns:a16="http://schemas.microsoft.com/office/drawing/2014/main" val="1899560271"/>
                   </a:ext>
                 </a:extLst>
               </a:tr>
@@ -6350,7 +6358,7 @@
         </p:spPr>
         <p:txBody>
           <a:bodyPr>
-            <a:normAutofit fontScale="85000" lnSpcReduction="10000"/>
+            <a:normAutofit fontScale="92500"/>
           </a:bodyPr>
           <a:lstStyle/>
           <a:p>
@@ -8177,11 +8185,41 @@
                 <a:tableStyleId>{5940675A-B579-460E-94D1-54222C63F5DA}</a:tableStyleId>
               </a:tblPr>
               <a:tblGrid>
-                <a:gridCol w="1180075"/>
-                <a:gridCol w="1180075"/>
-                <a:gridCol w="1180075"/>
-                <a:gridCol w="1180075"/>
-                <a:gridCol w="1180075"/>
+                <a:gridCol w="1180075">
+                  <a:extLst>
+                    <a:ext uri="{9D8B030D-6E8A-4147-A177-3AD203B41FA5}">
+                      <a16:colId xmlns:a16="http://schemas.microsoft.com/office/drawing/2014/main" val="20000"/>
+                    </a:ext>
+                  </a:extLst>
+                </a:gridCol>
+                <a:gridCol w="1180075">
+                  <a:extLst>
+                    <a:ext uri="{9D8B030D-6E8A-4147-A177-3AD203B41FA5}">
+                      <a16:colId xmlns:a16="http://schemas.microsoft.com/office/drawing/2014/main" val="20001"/>
+                    </a:ext>
+                  </a:extLst>
+                </a:gridCol>
+                <a:gridCol w="1180075">
+                  <a:extLst>
+                    <a:ext uri="{9D8B030D-6E8A-4147-A177-3AD203B41FA5}">
+                      <a16:colId xmlns:a16="http://schemas.microsoft.com/office/drawing/2014/main" val="20002"/>
+                    </a:ext>
+                  </a:extLst>
+                </a:gridCol>
+                <a:gridCol w="1180075">
+                  <a:extLst>
+                    <a:ext uri="{9D8B030D-6E8A-4147-A177-3AD203B41FA5}">
+                      <a16:colId xmlns:a16="http://schemas.microsoft.com/office/drawing/2014/main" val="20003"/>
+                    </a:ext>
+                  </a:extLst>
+                </a:gridCol>
+                <a:gridCol w="1180075">
+                  <a:extLst>
+                    <a:ext uri="{9D8B030D-6E8A-4147-A177-3AD203B41FA5}">
+                      <a16:colId xmlns:a16="http://schemas.microsoft.com/office/drawing/2014/main" val="20004"/>
+                    </a:ext>
+                  </a:extLst>
+                </a:gridCol>
               </a:tblGrid>
               <a:tr h="512483">
                 <a:tc>
@@ -8278,6 +8316,11 @@
                     </a:solidFill>
                   </a:tcPr>
                 </a:tc>
+                <a:extLst>
+                  <a:ext uri="{0D108BD9-81ED-4DB2-BD59-A6C34878D82A}">
+                    <a16:rowId xmlns:a16="http://schemas.microsoft.com/office/drawing/2014/main" val="10000"/>
+                  </a:ext>
+                </a:extLst>
               </a:tr>
               <a:tr h="512483">
                 <a:tc>
@@ -8373,6 +8416,11 @@
                     </a:solidFill>
                   </a:tcPr>
                 </a:tc>
+                <a:extLst>
+                  <a:ext uri="{0D108BD9-81ED-4DB2-BD59-A6C34878D82A}">
+                    <a16:rowId xmlns:a16="http://schemas.microsoft.com/office/drawing/2014/main" val="10001"/>
+                  </a:ext>
+                </a:extLst>
               </a:tr>
               <a:tr h="512483">
                 <a:tc>
@@ -8468,6 +8516,11 @@
                     </a:solidFill>
                   </a:tcPr>
                 </a:tc>
+                <a:extLst>
+                  <a:ext uri="{0D108BD9-81ED-4DB2-BD59-A6C34878D82A}">
+                    <a16:rowId xmlns:a16="http://schemas.microsoft.com/office/drawing/2014/main" val="10002"/>
+                  </a:ext>
+                </a:extLst>
               </a:tr>
               <a:tr h="512483">
                 <a:tc>
@@ -8563,6 +8616,11 @@
                     </a:solidFill>
                   </a:tcPr>
                 </a:tc>
+                <a:extLst>
+                  <a:ext uri="{0D108BD9-81ED-4DB2-BD59-A6C34878D82A}">
+                    <a16:rowId xmlns:a16="http://schemas.microsoft.com/office/drawing/2014/main" val="10003"/>
+                  </a:ext>
+                </a:extLst>
               </a:tr>
               <a:tr h="512483">
                 <a:tc>
@@ -8658,6 +8716,11 @@
                     </a:solidFill>
                   </a:tcPr>
                 </a:tc>
+                <a:extLst>
+                  <a:ext uri="{0D108BD9-81ED-4DB2-BD59-A6C34878D82A}">
+                    <a16:rowId xmlns:a16="http://schemas.microsoft.com/office/drawing/2014/main" val="10004"/>
+                  </a:ext>
+                </a:extLst>
               </a:tr>
             </a:tbl>
           </a:graphicData>
@@ -8884,11 +8947,41 @@
                 <a:tableStyleId>{5940675A-B579-460E-94D1-54222C63F5DA}</a:tableStyleId>
               </a:tblPr>
               <a:tblGrid>
-                <a:gridCol w="1180075"/>
-                <a:gridCol w="1180075"/>
-                <a:gridCol w="1180075"/>
-                <a:gridCol w="1180075"/>
-                <a:gridCol w="1180075"/>
+                <a:gridCol w="1180075">
+                  <a:extLst>
+                    <a:ext uri="{9D8B030D-6E8A-4147-A177-3AD203B41FA5}">
+                      <a16:colId xmlns:a16="http://schemas.microsoft.com/office/drawing/2014/main" val="20000"/>
+                    </a:ext>
+                  </a:extLst>
+                </a:gridCol>
+                <a:gridCol w="1180075">
+                  <a:extLst>
+                    <a:ext uri="{9D8B030D-6E8A-4147-A177-3AD203B41FA5}">
+                      <a16:colId xmlns:a16="http://schemas.microsoft.com/office/drawing/2014/main" val="20001"/>
+                    </a:ext>
+                  </a:extLst>
+                </a:gridCol>
+                <a:gridCol w="1180075">
+                  <a:extLst>
+                    <a:ext uri="{9D8B030D-6E8A-4147-A177-3AD203B41FA5}">
+                      <a16:colId xmlns:a16="http://schemas.microsoft.com/office/drawing/2014/main" val="20002"/>
+                    </a:ext>
+                  </a:extLst>
+                </a:gridCol>
+                <a:gridCol w="1180075">
+                  <a:extLst>
+                    <a:ext uri="{9D8B030D-6E8A-4147-A177-3AD203B41FA5}">
+                      <a16:colId xmlns:a16="http://schemas.microsoft.com/office/drawing/2014/main" val="20003"/>
+                    </a:ext>
+                  </a:extLst>
+                </a:gridCol>
+                <a:gridCol w="1180075">
+                  <a:extLst>
+                    <a:ext uri="{9D8B030D-6E8A-4147-A177-3AD203B41FA5}">
+                      <a16:colId xmlns:a16="http://schemas.microsoft.com/office/drawing/2014/main" val="20004"/>
+                    </a:ext>
+                  </a:extLst>
+                </a:gridCol>
               </a:tblGrid>
               <a:tr h="512483">
                 <a:tc>
@@ -8985,6 +9078,11 @@
                     </a:solidFill>
                   </a:tcPr>
                 </a:tc>
+                <a:extLst>
+                  <a:ext uri="{0D108BD9-81ED-4DB2-BD59-A6C34878D82A}">
+                    <a16:rowId xmlns:a16="http://schemas.microsoft.com/office/drawing/2014/main" val="10000"/>
+                  </a:ext>
+                </a:extLst>
               </a:tr>
               <a:tr h="512483">
                 <a:tc>
@@ -9062,6 +9160,11 @@
                     <a:noFill/>
                   </a:tcPr>
                 </a:tc>
+                <a:extLst>
+                  <a:ext uri="{0D108BD9-81ED-4DB2-BD59-A6C34878D82A}">
+                    <a16:rowId xmlns:a16="http://schemas.microsoft.com/office/drawing/2014/main" val="10001"/>
+                  </a:ext>
+                </a:extLst>
               </a:tr>
               <a:tr h="512483">
                 <a:tc>
@@ -9139,6 +9242,11 @@
                     <a:noFill/>
                   </a:tcPr>
                 </a:tc>
+                <a:extLst>
+                  <a:ext uri="{0D108BD9-81ED-4DB2-BD59-A6C34878D82A}">
+                    <a16:rowId xmlns:a16="http://schemas.microsoft.com/office/drawing/2014/main" val="10002"/>
+                  </a:ext>
+                </a:extLst>
               </a:tr>
               <a:tr h="512483">
                 <a:tc>
@@ -9216,6 +9324,11 @@
                     <a:noFill/>
                   </a:tcPr>
                 </a:tc>
+                <a:extLst>
+                  <a:ext uri="{0D108BD9-81ED-4DB2-BD59-A6C34878D82A}">
+                    <a16:rowId xmlns:a16="http://schemas.microsoft.com/office/drawing/2014/main" val="10003"/>
+                  </a:ext>
+                </a:extLst>
               </a:tr>
               <a:tr h="512483">
                 <a:tc>
@@ -9293,6 +9406,11 @@
                     <a:noFill/>
                   </a:tcPr>
                 </a:tc>
+                <a:extLst>
+                  <a:ext uri="{0D108BD9-81ED-4DB2-BD59-A6C34878D82A}">
+                    <a16:rowId xmlns:a16="http://schemas.microsoft.com/office/drawing/2014/main" val="10004"/>
+                  </a:ext>
+                </a:extLst>
               </a:tr>
             </a:tbl>
           </a:graphicData>
@@ -9788,11 +9906,41 @@
                 <a:tableStyleId>{5940675A-B579-460E-94D1-54222C63F5DA}</a:tableStyleId>
               </a:tblPr>
               <a:tblGrid>
-                <a:gridCol w="1180075"/>
-                <a:gridCol w="1180075"/>
-                <a:gridCol w="1180075"/>
-                <a:gridCol w="1180075"/>
-                <a:gridCol w="1180075"/>
+                <a:gridCol w="1180075">
+                  <a:extLst>
+                    <a:ext uri="{9D8B030D-6E8A-4147-A177-3AD203B41FA5}">
+                      <a16:colId xmlns:a16="http://schemas.microsoft.com/office/drawing/2014/main" val="20000"/>
+                    </a:ext>
+                  </a:extLst>
+                </a:gridCol>
+                <a:gridCol w="1180075">
+                  <a:extLst>
+                    <a:ext uri="{9D8B030D-6E8A-4147-A177-3AD203B41FA5}">
+                      <a16:colId xmlns:a16="http://schemas.microsoft.com/office/drawing/2014/main" val="20001"/>
+                    </a:ext>
+                  </a:extLst>
+                </a:gridCol>
+                <a:gridCol w="1180075">
+                  <a:extLst>
+                    <a:ext uri="{9D8B030D-6E8A-4147-A177-3AD203B41FA5}">
+                      <a16:colId xmlns:a16="http://schemas.microsoft.com/office/drawing/2014/main" val="20002"/>
+                    </a:ext>
+                  </a:extLst>
+                </a:gridCol>
+                <a:gridCol w="1180075">
+                  <a:extLst>
+                    <a:ext uri="{9D8B030D-6E8A-4147-A177-3AD203B41FA5}">
+                      <a16:colId xmlns:a16="http://schemas.microsoft.com/office/drawing/2014/main" val="20003"/>
+                    </a:ext>
+                  </a:extLst>
+                </a:gridCol>
+                <a:gridCol w="1180075">
+                  <a:extLst>
+                    <a:ext uri="{9D8B030D-6E8A-4147-A177-3AD203B41FA5}">
+                      <a16:colId xmlns:a16="http://schemas.microsoft.com/office/drawing/2014/main" val="20004"/>
+                    </a:ext>
+                  </a:extLst>
+                </a:gridCol>
               </a:tblGrid>
               <a:tr h="512483">
                 <a:tc>
@@ -9889,6 +10037,11 @@
                     </a:solidFill>
                   </a:tcPr>
                 </a:tc>
+                <a:extLst>
+                  <a:ext uri="{0D108BD9-81ED-4DB2-BD59-A6C34878D82A}">
+                    <a16:rowId xmlns:a16="http://schemas.microsoft.com/office/drawing/2014/main" val="10000"/>
+                  </a:ext>
+                </a:extLst>
               </a:tr>
               <a:tr h="512483">
                 <a:tc>
@@ -9970,6 +10123,11 @@
                     <a:noFill/>
                   </a:tcPr>
                 </a:tc>
+                <a:extLst>
+                  <a:ext uri="{0D108BD9-81ED-4DB2-BD59-A6C34878D82A}">
+                    <a16:rowId xmlns:a16="http://schemas.microsoft.com/office/drawing/2014/main" val="10001"/>
+                  </a:ext>
+                </a:extLst>
               </a:tr>
               <a:tr h="512483">
                 <a:tc>
@@ -10051,6 +10209,11 @@
                     <a:noFill/>
                   </a:tcPr>
                 </a:tc>
+                <a:extLst>
+                  <a:ext uri="{0D108BD9-81ED-4DB2-BD59-A6C34878D82A}">
+                    <a16:rowId xmlns:a16="http://schemas.microsoft.com/office/drawing/2014/main" val="10002"/>
+                  </a:ext>
+                </a:extLst>
               </a:tr>
               <a:tr h="512483">
                 <a:tc>
@@ -10132,6 +10295,11 @@
                     <a:noFill/>
                   </a:tcPr>
                 </a:tc>
+                <a:extLst>
+                  <a:ext uri="{0D108BD9-81ED-4DB2-BD59-A6C34878D82A}">
+                    <a16:rowId xmlns:a16="http://schemas.microsoft.com/office/drawing/2014/main" val="10003"/>
+                  </a:ext>
+                </a:extLst>
               </a:tr>
               <a:tr h="512483">
                 <a:tc>
@@ -10213,6 +10381,11 @@
                     <a:noFill/>
                   </a:tcPr>
                 </a:tc>
+                <a:extLst>
+                  <a:ext uri="{0D108BD9-81ED-4DB2-BD59-A6C34878D82A}">
+                    <a16:rowId xmlns:a16="http://schemas.microsoft.com/office/drawing/2014/main" val="10004"/>
+                  </a:ext>
+                </a:extLst>
               </a:tr>
             </a:tbl>
           </a:graphicData>
@@ -11004,7 +11177,7 @@
         </p:spPr>
         <p:txBody>
           <a:bodyPr>
-            <a:normAutofit lnSpcReduction="10000"/>
+            <a:normAutofit/>
           </a:bodyPr>
           <a:lstStyle/>
           <a:p>
@@ -11016,11 +11189,7 @@
           <a:p>
             <a:r>
               <a:rPr lang="en-US" dirty="0" smtClean="0"/>
-              <a:t>So, </a:t>
-            </a:r>
-            <a:r>
-              <a:rPr lang="en-US" dirty="0" smtClean="0"/>
-              <a:t>m[“a”][</a:t>
+              <a:t>So, m[“a”][</a:t>
             </a:r>
             <a:r>
               <a:rPr lang="en-US" dirty="0"/>
@@ -11075,11 +11244,41 @@
                 <a:tableStyleId>{5940675A-B579-460E-94D1-54222C63F5DA}</a:tableStyleId>
               </a:tblPr>
               <a:tblGrid>
-                <a:gridCol w="1180075"/>
-                <a:gridCol w="1180075"/>
-                <a:gridCol w="1180075"/>
-                <a:gridCol w="1180075"/>
-                <a:gridCol w="1180075"/>
+                <a:gridCol w="1180075">
+                  <a:extLst>
+                    <a:ext uri="{9D8B030D-6E8A-4147-A177-3AD203B41FA5}">
+                      <a16:colId xmlns:a16="http://schemas.microsoft.com/office/drawing/2014/main" val="20000"/>
+                    </a:ext>
+                  </a:extLst>
+                </a:gridCol>
+                <a:gridCol w="1180075">
+                  <a:extLst>
+                    <a:ext uri="{9D8B030D-6E8A-4147-A177-3AD203B41FA5}">
+                      <a16:colId xmlns:a16="http://schemas.microsoft.com/office/drawing/2014/main" val="20001"/>
+                    </a:ext>
+                  </a:extLst>
+                </a:gridCol>
+                <a:gridCol w="1180075">
+                  <a:extLst>
+                    <a:ext uri="{9D8B030D-6E8A-4147-A177-3AD203B41FA5}">
+                      <a16:colId xmlns:a16="http://schemas.microsoft.com/office/drawing/2014/main" val="20002"/>
+                    </a:ext>
+                  </a:extLst>
+                </a:gridCol>
+                <a:gridCol w="1180075">
+                  <a:extLst>
+                    <a:ext uri="{9D8B030D-6E8A-4147-A177-3AD203B41FA5}">
+                      <a16:colId xmlns:a16="http://schemas.microsoft.com/office/drawing/2014/main" val="20003"/>
+                    </a:ext>
+                  </a:extLst>
+                </a:gridCol>
+                <a:gridCol w="1180075">
+                  <a:extLst>
+                    <a:ext uri="{9D8B030D-6E8A-4147-A177-3AD203B41FA5}">
+                      <a16:colId xmlns:a16="http://schemas.microsoft.com/office/drawing/2014/main" val="20004"/>
+                    </a:ext>
+                  </a:extLst>
+                </a:gridCol>
               </a:tblGrid>
               <a:tr h="512483">
                 <a:tc>
@@ -11176,6 +11375,11 @@
                     </a:solidFill>
                   </a:tcPr>
                 </a:tc>
+                <a:extLst>
+                  <a:ext uri="{0D108BD9-81ED-4DB2-BD59-A6C34878D82A}">
+                    <a16:rowId xmlns:a16="http://schemas.microsoft.com/office/drawing/2014/main" val="10000"/>
+                  </a:ext>
+                </a:extLst>
               </a:tr>
               <a:tr h="512483">
                 <a:tc>
@@ -11259,6 +11463,11 @@
                     <a:noFill/>
                   </a:tcPr>
                 </a:tc>
+                <a:extLst>
+                  <a:ext uri="{0D108BD9-81ED-4DB2-BD59-A6C34878D82A}">
+                    <a16:rowId xmlns:a16="http://schemas.microsoft.com/office/drawing/2014/main" val="10001"/>
+                  </a:ext>
+                </a:extLst>
               </a:tr>
               <a:tr h="512483">
                 <a:tc>
@@ -11342,6 +11551,11 @@
                     <a:noFill/>
                   </a:tcPr>
                 </a:tc>
+                <a:extLst>
+                  <a:ext uri="{0D108BD9-81ED-4DB2-BD59-A6C34878D82A}">
+                    <a16:rowId xmlns:a16="http://schemas.microsoft.com/office/drawing/2014/main" val="10002"/>
+                  </a:ext>
+                </a:extLst>
               </a:tr>
               <a:tr h="512483">
                 <a:tc>
@@ -11425,6 +11639,11 @@
                     <a:noFill/>
                   </a:tcPr>
                 </a:tc>
+                <a:extLst>
+                  <a:ext uri="{0D108BD9-81ED-4DB2-BD59-A6C34878D82A}">
+                    <a16:rowId xmlns:a16="http://schemas.microsoft.com/office/drawing/2014/main" val="10003"/>
+                  </a:ext>
+                </a:extLst>
               </a:tr>
               <a:tr h="512483">
                 <a:tc>
@@ -11508,6 +11727,11 @@
                     <a:noFill/>
                   </a:tcPr>
                 </a:tc>
+                <a:extLst>
+                  <a:ext uri="{0D108BD9-81ED-4DB2-BD59-A6C34878D82A}">
+                    <a16:rowId xmlns:a16="http://schemas.microsoft.com/office/drawing/2014/main" val="10004"/>
+                  </a:ext>
+                </a:extLst>
               </a:tr>
             </a:tbl>
           </a:graphicData>
@@ -12580,11 +12804,41 @@
                 <a:tableStyleId>{5940675A-B579-460E-94D1-54222C63F5DA}</a:tableStyleId>
               </a:tblPr>
               <a:tblGrid>
-                <a:gridCol w="1180075"/>
-                <a:gridCol w="1180075"/>
-                <a:gridCol w="1180075"/>
-                <a:gridCol w="1180075"/>
-                <a:gridCol w="1180075"/>
+                <a:gridCol w="1180075">
+                  <a:extLst>
+                    <a:ext uri="{9D8B030D-6E8A-4147-A177-3AD203B41FA5}">
+                      <a16:colId xmlns:a16="http://schemas.microsoft.com/office/drawing/2014/main" val="20000"/>
+                    </a:ext>
+                  </a:extLst>
+                </a:gridCol>
+                <a:gridCol w="1180075">
+                  <a:extLst>
+                    <a:ext uri="{9D8B030D-6E8A-4147-A177-3AD203B41FA5}">
+                      <a16:colId xmlns:a16="http://schemas.microsoft.com/office/drawing/2014/main" val="20001"/>
+                    </a:ext>
+                  </a:extLst>
+                </a:gridCol>
+                <a:gridCol w="1180075">
+                  <a:extLst>
+                    <a:ext uri="{9D8B030D-6E8A-4147-A177-3AD203B41FA5}">
+                      <a16:colId xmlns:a16="http://schemas.microsoft.com/office/drawing/2014/main" val="20002"/>
+                    </a:ext>
+                  </a:extLst>
+                </a:gridCol>
+                <a:gridCol w="1180075">
+                  <a:extLst>
+                    <a:ext uri="{9D8B030D-6E8A-4147-A177-3AD203B41FA5}">
+                      <a16:colId xmlns:a16="http://schemas.microsoft.com/office/drawing/2014/main" val="20003"/>
+                    </a:ext>
+                  </a:extLst>
+                </a:gridCol>
+                <a:gridCol w="1180075">
+                  <a:extLst>
+                    <a:ext uri="{9D8B030D-6E8A-4147-A177-3AD203B41FA5}">
+                      <a16:colId xmlns:a16="http://schemas.microsoft.com/office/drawing/2014/main" val="20004"/>
+                    </a:ext>
+                  </a:extLst>
+                </a:gridCol>
               </a:tblGrid>
               <a:tr h="512483">
                 <a:tc>
@@ -12681,6 +12935,11 @@
                     </a:solidFill>
                   </a:tcPr>
                 </a:tc>
+                <a:extLst>
+                  <a:ext uri="{0D108BD9-81ED-4DB2-BD59-A6C34878D82A}">
+                    <a16:rowId xmlns:a16="http://schemas.microsoft.com/office/drawing/2014/main" val="10000"/>
+                  </a:ext>
+                </a:extLst>
               </a:tr>
               <a:tr h="512483">
                 <a:tc>
@@ -12764,6 +13023,11 @@
                     <a:noFill/>
                   </a:tcPr>
                 </a:tc>
+                <a:extLst>
+                  <a:ext uri="{0D108BD9-81ED-4DB2-BD59-A6C34878D82A}">
+                    <a16:rowId xmlns:a16="http://schemas.microsoft.com/office/drawing/2014/main" val="10001"/>
+                  </a:ext>
+                </a:extLst>
               </a:tr>
               <a:tr h="512483">
                 <a:tc>
@@ -12847,6 +13111,11 @@
                     <a:noFill/>
                   </a:tcPr>
                 </a:tc>
+                <a:extLst>
+                  <a:ext uri="{0D108BD9-81ED-4DB2-BD59-A6C34878D82A}">
+                    <a16:rowId xmlns:a16="http://schemas.microsoft.com/office/drawing/2014/main" val="10002"/>
+                  </a:ext>
+                </a:extLst>
               </a:tr>
               <a:tr h="512483">
                 <a:tc>
@@ -12930,6 +13199,11 @@
                     <a:noFill/>
                   </a:tcPr>
                 </a:tc>
+                <a:extLst>
+                  <a:ext uri="{0D108BD9-81ED-4DB2-BD59-A6C34878D82A}">
+                    <a16:rowId xmlns:a16="http://schemas.microsoft.com/office/drawing/2014/main" val="10003"/>
+                  </a:ext>
+                </a:extLst>
               </a:tr>
               <a:tr h="512483">
                 <a:tc>
@@ -13013,6 +13287,11 @@
                     <a:noFill/>
                   </a:tcPr>
                 </a:tc>
+                <a:extLst>
+                  <a:ext uri="{0D108BD9-81ED-4DB2-BD59-A6C34878D82A}">
+                    <a16:rowId xmlns:a16="http://schemas.microsoft.com/office/drawing/2014/main" val="10004"/>
+                  </a:ext>
+                </a:extLst>
               </a:tr>
             </a:tbl>
           </a:graphicData>
@@ -13490,11 +13769,41 @@
                 <a:tableStyleId>{5940675A-B579-460E-94D1-54222C63F5DA}</a:tableStyleId>
               </a:tblPr>
               <a:tblGrid>
-                <a:gridCol w="1180075"/>
-                <a:gridCol w="1180075"/>
-                <a:gridCol w="1180075"/>
-                <a:gridCol w="1180075"/>
-                <a:gridCol w="1180075"/>
+                <a:gridCol w="1180075">
+                  <a:extLst>
+                    <a:ext uri="{9D8B030D-6E8A-4147-A177-3AD203B41FA5}">
+                      <a16:colId xmlns:a16="http://schemas.microsoft.com/office/drawing/2014/main" val="20000"/>
+                    </a:ext>
+                  </a:extLst>
+                </a:gridCol>
+                <a:gridCol w="1180075">
+                  <a:extLst>
+                    <a:ext uri="{9D8B030D-6E8A-4147-A177-3AD203B41FA5}">
+                      <a16:colId xmlns:a16="http://schemas.microsoft.com/office/drawing/2014/main" val="20001"/>
+                    </a:ext>
+                  </a:extLst>
+                </a:gridCol>
+                <a:gridCol w="1180075">
+                  <a:extLst>
+                    <a:ext uri="{9D8B030D-6E8A-4147-A177-3AD203B41FA5}">
+                      <a16:colId xmlns:a16="http://schemas.microsoft.com/office/drawing/2014/main" val="20002"/>
+                    </a:ext>
+                  </a:extLst>
+                </a:gridCol>
+                <a:gridCol w="1180075">
+                  <a:extLst>
+                    <a:ext uri="{9D8B030D-6E8A-4147-A177-3AD203B41FA5}">
+                      <a16:colId xmlns:a16="http://schemas.microsoft.com/office/drawing/2014/main" val="20003"/>
+                    </a:ext>
+                  </a:extLst>
+                </a:gridCol>
+                <a:gridCol w="1180075">
+                  <a:extLst>
+                    <a:ext uri="{9D8B030D-6E8A-4147-A177-3AD203B41FA5}">
+                      <a16:colId xmlns:a16="http://schemas.microsoft.com/office/drawing/2014/main" val="20004"/>
+                    </a:ext>
+                  </a:extLst>
+                </a:gridCol>
               </a:tblGrid>
               <a:tr h="512483">
                 <a:tc>
@@ -13591,6 +13900,11 @@
                     </a:solidFill>
                   </a:tcPr>
                 </a:tc>
+                <a:extLst>
+                  <a:ext uri="{0D108BD9-81ED-4DB2-BD59-A6C34878D82A}">
+                    <a16:rowId xmlns:a16="http://schemas.microsoft.com/office/drawing/2014/main" val="10000"/>
+                  </a:ext>
+                </a:extLst>
               </a:tr>
               <a:tr h="512483">
                 <a:tc>
@@ -13680,6 +13994,11 @@
                     <a:noFill/>
                   </a:tcPr>
                 </a:tc>
+                <a:extLst>
+                  <a:ext uri="{0D108BD9-81ED-4DB2-BD59-A6C34878D82A}">
+                    <a16:rowId xmlns:a16="http://schemas.microsoft.com/office/drawing/2014/main" val="10001"/>
+                  </a:ext>
+                </a:extLst>
               </a:tr>
               <a:tr h="512483">
                 <a:tc>
@@ -13769,6 +14088,11 @@
                     <a:noFill/>
                   </a:tcPr>
                 </a:tc>
+                <a:extLst>
+                  <a:ext uri="{0D108BD9-81ED-4DB2-BD59-A6C34878D82A}">
+                    <a16:rowId xmlns:a16="http://schemas.microsoft.com/office/drawing/2014/main" val="10002"/>
+                  </a:ext>
+                </a:extLst>
               </a:tr>
               <a:tr h="512483">
                 <a:tc>
@@ -13858,6 +14182,11 @@
                     <a:noFill/>
                   </a:tcPr>
                 </a:tc>
+                <a:extLst>
+                  <a:ext uri="{0D108BD9-81ED-4DB2-BD59-A6C34878D82A}">
+                    <a16:rowId xmlns:a16="http://schemas.microsoft.com/office/drawing/2014/main" val="10003"/>
+                  </a:ext>
+                </a:extLst>
               </a:tr>
               <a:tr h="512483">
                 <a:tc>
@@ -13947,6 +14276,11 @@
                     <a:noFill/>
                   </a:tcPr>
                 </a:tc>
+                <a:extLst>
+                  <a:ext uri="{0D108BD9-81ED-4DB2-BD59-A6C34878D82A}">
+                    <a16:rowId xmlns:a16="http://schemas.microsoft.com/office/drawing/2014/main" val="10004"/>
+                  </a:ext>
+                </a:extLst>
               </a:tr>
             </a:tbl>
           </a:graphicData>
@@ -14726,7 +15060,7 @@
         </p:spPr>
         <p:txBody>
           <a:bodyPr>
-            <a:normAutofit lnSpcReduction="10000"/>
+            <a:normAutofit/>
           </a:bodyPr>
           <a:lstStyle/>
           <a:p>
@@ -14817,11 +15151,41 @@
                 <a:tableStyleId>{5940675A-B579-460E-94D1-54222C63F5DA}</a:tableStyleId>
               </a:tblPr>
               <a:tblGrid>
-                <a:gridCol w="1180075"/>
-                <a:gridCol w="1180075"/>
-                <a:gridCol w="1180075"/>
-                <a:gridCol w="1180075"/>
-                <a:gridCol w="1180075"/>
+                <a:gridCol w="1180075">
+                  <a:extLst>
+                    <a:ext uri="{9D8B030D-6E8A-4147-A177-3AD203B41FA5}">
+                      <a16:colId xmlns:a16="http://schemas.microsoft.com/office/drawing/2014/main" val="20000"/>
+                    </a:ext>
+                  </a:extLst>
+                </a:gridCol>
+                <a:gridCol w="1180075">
+                  <a:extLst>
+                    <a:ext uri="{9D8B030D-6E8A-4147-A177-3AD203B41FA5}">
+                      <a16:colId xmlns:a16="http://schemas.microsoft.com/office/drawing/2014/main" val="20001"/>
+                    </a:ext>
+                  </a:extLst>
+                </a:gridCol>
+                <a:gridCol w="1180075">
+                  <a:extLst>
+                    <a:ext uri="{9D8B030D-6E8A-4147-A177-3AD203B41FA5}">
+                      <a16:colId xmlns:a16="http://schemas.microsoft.com/office/drawing/2014/main" val="20002"/>
+                    </a:ext>
+                  </a:extLst>
+                </a:gridCol>
+                <a:gridCol w="1180075">
+                  <a:extLst>
+                    <a:ext uri="{9D8B030D-6E8A-4147-A177-3AD203B41FA5}">
+                      <a16:colId xmlns:a16="http://schemas.microsoft.com/office/drawing/2014/main" val="20003"/>
+                    </a:ext>
+                  </a:extLst>
+                </a:gridCol>
+                <a:gridCol w="1180075">
+                  <a:extLst>
+                    <a:ext uri="{9D8B030D-6E8A-4147-A177-3AD203B41FA5}">
+                      <a16:colId xmlns:a16="http://schemas.microsoft.com/office/drawing/2014/main" val="20004"/>
+                    </a:ext>
+                  </a:extLst>
+                </a:gridCol>
               </a:tblGrid>
               <a:tr h="512483">
                 <a:tc>
@@ -14918,6 +15282,11 @@
                     </a:solidFill>
                   </a:tcPr>
                 </a:tc>
+                <a:extLst>
+                  <a:ext uri="{0D108BD9-81ED-4DB2-BD59-A6C34878D82A}">
+                    <a16:rowId xmlns:a16="http://schemas.microsoft.com/office/drawing/2014/main" val="10000"/>
+                  </a:ext>
+                </a:extLst>
               </a:tr>
               <a:tr h="512483">
                 <a:tc>
@@ -15013,6 +15382,11 @@
                     </a:solidFill>
                   </a:tcPr>
                 </a:tc>
+                <a:extLst>
+                  <a:ext uri="{0D108BD9-81ED-4DB2-BD59-A6C34878D82A}">
+                    <a16:rowId xmlns:a16="http://schemas.microsoft.com/office/drawing/2014/main" val="10001"/>
+                  </a:ext>
+                </a:extLst>
               </a:tr>
               <a:tr h="512483">
                 <a:tc>
@@ -15108,6 +15482,11 @@
                     </a:solidFill>
                   </a:tcPr>
                 </a:tc>
+                <a:extLst>
+                  <a:ext uri="{0D108BD9-81ED-4DB2-BD59-A6C34878D82A}">
+                    <a16:rowId xmlns:a16="http://schemas.microsoft.com/office/drawing/2014/main" val="10002"/>
+                  </a:ext>
+                </a:extLst>
               </a:tr>
               <a:tr h="512483">
                 <a:tc>
@@ -15203,6 +15582,11 @@
                     </a:solidFill>
                   </a:tcPr>
                 </a:tc>
+                <a:extLst>
+                  <a:ext uri="{0D108BD9-81ED-4DB2-BD59-A6C34878D82A}">
+                    <a16:rowId xmlns:a16="http://schemas.microsoft.com/office/drawing/2014/main" val="10003"/>
+                  </a:ext>
+                </a:extLst>
               </a:tr>
               <a:tr h="512483">
                 <a:tc>
@@ -15298,6 +15682,11 @@
                     </a:solidFill>
                   </a:tcPr>
                 </a:tc>
+                <a:extLst>
+                  <a:ext uri="{0D108BD9-81ED-4DB2-BD59-A6C34878D82A}">
+                    <a16:rowId xmlns:a16="http://schemas.microsoft.com/office/drawing/2014/main" val="10004"/>
+                  </a:ext>
+                </a:extLst>
               </a:tr>
             </a:tbl>
           </a:graphicData>
@@ -16953,11 +17342,7 @@
           <a:p>
             <a:r>
               <a:rPr lang="en-US" dirty="0" smtClean="0"/>
-              <a:t>Not just searching, but also checking if whole text </a:t>
-            </a:r>
-            <a:r>
-              <a:rPr lang="en-US" dirty="0" smtClean="0"/>
-              <a:t>does satisfy the regex</a:t>
+              <a:t>Not just searching, but also checking if whole text does satisfy the regex</a:t>
             </a:r>
             <a:endParaRPr lang="en-US" dirty="0"/>
           </a:p>
@@ -18284,24 +18669,7 @@
                 <a:cs typeface="+mn-cs"/>
                 <a:sym typeface="Helvetica Light"/>
               </a:rPr>
-              <a:t> Not Use Regex for HTML</a:t>
-            </a:r>
-            <a:r>
-              <a:rPr kumimoji="0" lang="en-US" sz="6600" b="0" i="0" u="none" strike="noStrike" cap="none" spc="0" normalizeH="0" dirty="0" smtClean="0">
-                <a:ln>
-                  <a:noFill/>
-                </a:ln>
-                <a:solidFill>
-                  <a:srgbClr val="000000"/>
-                </a:solidFill>
-                <a:effectLst/>
-                <a:uFillTx/>
-                <a:latin typeface="+mn-lt"/>
-                <a:ea typeface="+mn-ea"/>
-                <a:cs typeface="+mn-cs"/>
-                <a:sym typeface="Helvetica Light"/>
-              </a:rPr>
-              <a:t>!!! </a:t>
+              <a:t> Not Use Regex for HTML!!! </a:t>
             </a:r>
             <a:endParaRPr kumimoji="0" lang="en-US" sz="6600" b="0" i="0" u="none" strike="noStrike" cap="none" spc="0" normalizeH="0" baseline="0" dirty="0">
               <a:ln>
@@ -18502,7 +18870,7 @@
         </p:spPr>
         <p:txBody>
           <a:bodyPr>
-            <a:normAutofit fontScale="92500" lnSpcReduction="20000"/>
+            <a:normAutofit fontScale="92500" lnSpcReduction="10000"/>
           </a:bodyPr>
           <a:lstStyle/>
           <a:p>
@@ -33131,154 +33499,154 @@
                 <a:gridCol w="574402">
                   <a:extLst>
                     <a:ext uri="{9D8B030D-6E8A-4147-A177-3AD203B41FA5}">
-                      <a16:colId xmlns:a16="http://schemas.microsoft.com/office/drawing/2014/main" xmlns="" val="2966260843"/>
+                      <a16:colId xmlns:a16="http://schemas.microsoft.com/office/drawing/2014/main" val="2966260843"/>
                     </a:ext>
                   </a:extLst>
                 </a:gridCol>
                 <a:gridCol w="574402">
                   <a:extLst>
                     <a:ext uri="{9D8B030D-6E8A-4147-A177-3AD203B41FA5}">
-                      <a16:colId xmlns:a16="http://schemas.microsoft.com/office/drawing/2014/main" xmlns="" val="2655403497"/>
+                      <a16:colId xmlns:a16="http://schemas.microsoft.com/office/drawing/2014/main" val="2655403497"/>
                     </a:ext>
                   </a:extLst>
                 </a:gridCol>
                 <a:gridCol w="574402">
                   <a:extLst>
                     <a:ext uri="{9D8B030D-6E8A-4147-A177-3AD203B41FA5}">
-                      <a16:colId xmlns:a16="http://schemas.microsoft.com/office/drawing/2014/main" xmlns="" val="51161918"/>
+                      <a16:colId xmlns:a16="http://schemas.microsoft.com/office/drawing/2014/main" val="51161918"/>
                     </a:ext>
                   </a:extLst>
                 </a:gridCol>
                 <a:gridCol w="574402">
                   <a:extLst>
                     <a:ext uri="{9D8B030D-6E8A-4147-A177-3AD203B41FA5}">
-                      <a16:colId xmlns:a16="http://schemas.microsoft.com/office/drawing/2014/main" xmlns="" val="4085757781"/>
+                      <a16:colId xmlns:a16="http://schemas.microsoft.com/office/drawing/2014/main" val="4085757781"/>
                     </a:ext>
                   </a:extLst>
                 </a:gridCol>
                 <a:gridCol w="574402">
                   <a:extLst>
                     <a:ext uri="{9D8B030D-6E8A-4147-A177-3AD203B41FA5}">
-                      <a16:colId xmlns:a16="http://schemas.microsoft.com/office/drawing/2014/main" xmlns="" val="1885259141"/>
+                      <a16:colId xmlns:a16="http://schemas.microsoft.com/office/drawing/2014/main" val="1885259141"/>
                     </a:ext>
                   </a:extLst>
                 </a:gridCol>
                 <a:gridCol w="574402">
                   <a:extLst>
                     <a:ext uri="{9D8B030D-6E8A-4147-A177-3AD203B41FA5}">
-                      <a16:colId xmlns:a16="http://schemas.microsoft.com/office/drawing/2014/main" xmlns="" val="3406693815"/>
+                      <a16:colId xmlns:a16="http://schemas.microsoft.com/office/drawing/2014/main" val="3406693815"/>
                     </a:ext>
                   </a:extLst>
                 </a:gridCol>
                 <a:gridCol w="574402">
                   <a:extLst>
                     <a:ext uri="{9D8B030D-6E8A-4147-A177-3AD203B41FA5}">
-                      <a16:colId xmlns:a16="http://schemas.microsoft.com/office/drawing/2014/main" xmlns="" val="551427343"/>
+                      <a16:colId xmlns:a16="http://schemas.microsoft.com/office/drawing/2014/main" val="551427343"/>
                     </a:ext>
                   </a:extLst>
                 </a:gridCol>
                 <a:gridCol w="574402">
                   <a:extLst>
                     <a:ext uri="{9D8B030D-6E8A-4147-A177-3AD203B41FA5}">
-                      <a16:colId xmlns:a16="http://schemas.microsoft.com/office/drawing/2014/main" xmlns="" val="3236945442"/>
+                      <a16:colId xmlns:a16="http://schemas.microsoft.com/office/drawing/2014/main" val="3236945442"/>
                     </a:ext>
                   </a:extLst>
                 </a:gridCol>
                 <a:gridCol w="574402">
                   <a:extLst>
                     <a:ext uri="{9D8B030D-6E8A-4147-A177-3AD203B41FA5}">
-                      <a16:colId xmlns:a16="http://schemas.microsoft.com/office/drawing/2014/main" xmlns="" val="2958950025"/>
+                      <a16:colId xmlns:a16="http://schemas.microsoft.com/office/drawing/2014/main" val="2958950025"/>
                     </a:ext>
                   </a:extLst>
                 </a:gridCol>
                 <a:gridCol w="574402">
                   <a:extLst>
                     <a:ext uri="{9D8B030D-6E8A-4147-A177-3AD203B41FA5}">
-                      <a16:colId xmlns:a16="http://schemas.microsoft.com/office/drawing/2014/main" xmlns="" val="315992084"/>
+                      <a16:colId xmlns:a16="http://schemas.microsoft.com/office/drawing/2014/main" val="315992084"/>
                     </a:ext>
                   </a:extLst>
                 </a:gridCol>
                 <a:gridCol w="574402">
                   <a:extLst>
                     <a:ext uri="{9D8B030D-6E8A-4147-A177-3AD203B41FA5}">
-                      <a16:colId xmlns:a16="http://schemas.microsoft.com/office/drawing/2014/main" xmlns="" val="962633385"/>
+                      <a16:colId xmlns:a16="http://schemas.microsoft.com/office/drawing/2014/main" val="962633385"/>
                     </a:ext>
                   </a:extLst>
                 </a:gridCol>
                 <a:gridCol w="574402">
                   <a:extLst>
                     <a:ext uri="{9D8B030D-6E8A-4147-A177-3AD203B41FA5}">
-                      <a16:colId xmlns:a16="http://schemas.microsoft.com/office/drawing/2014/main" xmlns="" val="1985844426"/>
+                      <a16:colId xmlns:a16="http://schemas.microsoft.com/office/drawing/2014/main" val="1985844426"/>
                     </a:ext>
                   </a:extLst>
                 </a:gridCol>
                 <a:gridCol w="574402">
                   <a:extLst>
                     <a:ext uri="{9D8B030D-6E8A-4147-A177-3AD203B41FA5}">
-                      <a16:colId xmlns:a16="http://schemas.microsoft.com/office/drawing/2014/main" xmlns="" val="173885675"/>
+                      <a16:colId xmlns:a16="http://schemas.microsoft.com/office/drawing/2014/main" val="173885675"/>
                     </a:ext>
                   </a:extLst>
                 </a:gridCol>
                 <a:gridCol w="574402">
                   <a:extLst>
                     <a:ext uri="{9D8B030D-6E8A-4147-A177-3AD203B41FA5}">
-                      <a16:colId xmlns:a16="http://schemas.microsoft.com/office/drawing/2014/main" xmlns="" val="1196902404"/>
+                      <a16:colId xmlns:a16="http://schemas.microsoft.com/office/drawing/2014/main" val="1196902404"/>
                     </a:ext>
                   </a:extLst>
                 </a:gridCol>
                 <a:gridCol w="574402">
                   <a:extLst>
                     <a:ext uri="{9D8B030D-6E8A-4147-A177-3AD203B41FA5}">
-                      <a16:colId xmlns:a16="http://schemas.microsoft.com/office/drawing/2014/main" xmlns="" val="3576583593"/>
+                      <a16:colId xmlns:a16="http://schemas.microsoft.com/office/drawing/2014/main" val="3576583593"/>
                     </a:ext>
                   </a:extLst>
                 </a:gridCol>
                 <a:gridCol w="574402">
                   <a:extLst>
                     <a:ext uri="{9D8B030D-6E8A-4147-A177-3AD203B41FA5}">
-                      <a16:colId xmlns:a16="http://schemas.microsoft.com/office/drawing/2014/main" xmlns="" val="1807945616"/>
+                      <a16:colId xmlns:a16="http://schemas.microsoft.com/office/drawing/2014/main" val="1807945616"/>
                     </a:ext>
                   </a:extLst>
                 </a:gridCol>
                 <a:gridCol w="574402">
                   <a:extLst>
                     <a:ext uri="{9D8B030D-6E8A-4147-A177-3AD203B41FA5}">
-                      <a16:colId xmlns:a16="http://schemas.microsoft.com/office/drawing/2014/main" xmlns="" val="1719638238"/>
+                      <a16:colId xmlns:a16="http://schemas.microsoft.com/office/drawing/2014/main" val="1719638238"/>
                     </a:ext>
                   </a:extLst>
                 </a:gridCol>
                 <a:gridCol w="574402">
                   <a:extLst>
                     <a:ext uri="{9D8B030D-6E8A-4147-A177-3AD203B41FA5}">
-                      <a16:colId xmlns:a16="http://schemas.microsoft.com/office/drawing/2014/main" xmlns="" val="301325865"/>
+                      <a16:colId xmlns:a16="http://schemas.microsoft.com/office/drawing/2014/main" val="301325865"/>
                     </a:ext>
                   </a:extLst>
                 </a:gridCol>
                 <a:gridCol w="574402">
                   <a:extLst>
                     <a:ext uri="{9D8B030D-6E8A-4147-A177-3AD203B41FA5}">
-                      <a16:colId xmlns:a16="http://schemas.microsoft.com/office/drawing/2014/main" xmlns="" val="1613703355"/>
+                      <a16:colId xmlns:a16="http://schemas.microsoft.com/office/drawing/2014/main" val="1613703355"/>
                     </a:ext>
                   </a:extLst>
                 </a:gridCol>
                 <a:gridCol w="574402">
                   <a:extLst>
                     <a:ext uri="{9D8B030D-6E8A-4147-A177-3AD203B41FA5}">
-                      <a16:colId xmlns:a16="http://schemas.microsoft.com/office/drawing/2014/main" xmlns="" val="3940161714"/>
+                      <a16:colId xmlns:a16="http://schemas.microsoft.com/office/drawing/2014/main" val="3940161714"/>
                     </a:ext>
                   </a:extLst>
                 </a:gridCol>
                 <a:gridCol w="574402">
                   <a:extLst>
                     <a:ext uri="{9D8B030D-6E8A-4147-A177-3AD203B41FA5}">
-                      <a16:colId xmlns:a16="http://schemas.microsoft.com/office/drawing/2014/main" xmlns="" val="2319542359"/>
+                      <a16:colId xmlns:a16="http://schemas.microsoft.com/office/drawing/2014/main" val="2319542359"/>
                     </a:ext>
                   </a:extLst>
                 </a:gridCol>
                 <a:gridCol w="574402">
                   <a:extLst>
                     <a:ext uri="{9D8B030D-6E8A-4147-A177-3AD203B41FA5}">
-                      <a16:colId xmlns:a16="http://schemas.microsoft.com/office/drawing/2014/main" xmlns="" val="1281623815"/>
+                      <a16:colId xmlns:a16="http://schemas.microsoft.com/office/drawing/2014/main" val="1281623815"/>
                     </a:ext>
                   </a:extLst>
                 </a:gridCol>
@@ -33682,7 +34050,7 @@
                 </a:tc>
                 <a:extLst>
                   <a:ext uri="{0D108BD9-81ED-4DB2-BD59-A6C34878D82A}">
-                    <a16:rowId xmlns:a16="http://schemas.microsoft.com/office/drawing/2014/main" xmlns="" val="2074393730"/>
+                    <a16:rowId xmlns:a16="http://schemas.microsoft.com/office/drawing/2014/main" val="2074393730"/>
                   </a:ext>
                 </a:extLst>
               </a:tr>
@@ -34135,7 +34503,7 @@
                 </a:tc>
                 <a:extLst>
                   <a:ext uri="{0D108BD9-81ED-4DB2-BD59-A6C34878D82A}">
-                    <a16:rowId xmlns:a16="http://schemas.microsoft.com/office/drawing/2014/main" xmlns="" val="2659969371"/>
+                    <a16:rowId xmlns:a16="http://schemas.microsoft.com/office/drawing/2014/main" val="2659969371"/>
                   </a:ext>
                 </a:extLst>
               </a:tr>
@@ -34428,7 +34796,7 @@
                 </a:tc>
                 <a:extLst>
                   <a:ext uri="{0D108BD9-81ED-4DB2-BD59-A6C34878D82A}">
-                    <a16:rowId xmlns:a16="http://schemas.microsoft.com/office/drawing/2014/main" xmlns="" val="2891262776"/>
+                    <a16:rowId xmlns:a16="http://schemas.microsoft.com/office/drawing/2014/main" val="2891262776"/>
                   </a:ext>
                 </a:extLst>
               </a:tr>
@@ -39470,154 +39838,154 @@
                 <a:gridCol w="539469">
                   <a:extLst>
                     <a:ext uri="{9D8B030D-6E8A-4147-A177-3AD203B41FA5}">
-                      <a16:colId xmlns:a16="http://schemas.microsoft.com/office/drawing/2014/main" xmlns="" val="2966260843"/>
+                      <a16:colId xmlns:a16="http://schemas.microsoft.com/office/drawing/2014/main" val="2966260843"/>
                     </a:ext>
                   </a:extLst>
                 </a:gridCol>
                 <a:gridCol w="539469">
                   <a:extLst>
                     <a:ext uri="{9D8B030D-6E8A-4147-A177-3AD203B41FA5}">
-                      <a16:colId xmlns:a16="http://schemas.microsoft.com/office/drawing/2014/main" xmlns="" val="2655403497"/>
+                      <a16:colId xmlns:a16="http://schemas.microsoft.com/office/drawing/2014/main" val="2655403497"/>
                     </a:ext>
                   </a:extLst>
                 </a:gridCol>
                 <a:gridCol w="539469">
                   <a:extLst>
                     <a:ext uri="{9D8B030D-6E8A-4147-A177-3AD203B41FA5}">
-                      <a16:colId xmlns:a16="http://schemas.microsoft.com/office/drawing/2014/main" xmlns="" val="51161918"/>
+                      <a16:colId xmlns:a16="http://schemas.microsoft.com/office/drawing/2014/main" val="51161918"/>
                     </a:ext>
                   </a:extLst>
                 </a:gridCol>
                 <a:gridCol w="539469">
                   <a:extLst>
                     <a:ext uri="{9D8B030D-6E8A-4147-A177-3AD203B41FA5}">
-                      <a16:colId xmlns:a16="http://schemas.microsoft.com/office/drawing/2014/main" xmlns="" val="4085757781"/>
+                      <a16:colId xmlns:a16="http://schemas.microsoft.com/office/drawing/2014/main" val="4085757781"/>
                     </a:ext>
                   </a:extLst>
                 </a:gridCol>
                 <a:gridCol w="539469">
                   <a:extLst>
                     <a:ext uri="{9D8B030D-6E8A-4147-A177-3AD203B41FA5}">
-                      <a16:colId xmlns:a16="http://schemas.microsoft.com/office/drawing/2014/main" xmlns="" val="1885259141"/>
+                      <a16:colId xmlns:a16="http://schemas.microsoft.com/office/drawing/2014/main" val="1885259141"/>
                     </a:ext>
                   </a:extLst>
                 </a:gridCol>
                 <a:gridCol w="539469">
                   <a:extLst>
                     <a:ext uri="{9D8B030D-6E8A-4147-A177-3AD203B41FA5}">
-                      <a16:colId xmlns:a16="http://schemas.microsoft.com/office/drawing/2014/main" xmlns="" val="3406693815"/>
+                      <a16:colId xmlns:a16="http://schemas.microsoft.com/office/drawing/2014/main" val="3406693815"/>
                     </a:ext>
                   </a:extLst>
                 </a:gridCol>
                 <a:gridCol w="539469">
                   <a:extLst>
                     <a:ext uri="{9D8B030D-6E8A-4147-A177-3AD203B41FA5}">
-                      <a16:colId xmlns:a16="http://schemas.microsoft.com/office/drawing/2014/main" xmlns="" val="551427343"/>
+                      <a16:colId xmlns:a16="http://schemas.microsoft.com/office/drawing/2014/main" val="551427343"/>
                     </a:ext>
                   </a:extLst>
                 </a:gridCol>
                 <a:gridCol w="539469">
                   <a:extLst>
                     <a:ext uri="{9D8B030D-6E8A-4147-A177-3AD203B41FA5}">
-                      <a16:colId xmlns:a16="http://schemas.microsoft.com/office/drawing/2014/main" xmlns="" val="3236945442"/>
+                      <a16:colId xmlns:a16="http://schemas.microsoft.com/office/drawing/2014/main" val="3236945442"/>
                     </a:ext>
                   </a:extLst>
                 </a:gridCol>
                 <a:gridCol w="539469">
                   <a:extLst>
                     <a:ext uri="{9D8B030D-6E8A-4147-A177-3AD203B41FA5}">
-                      <a16:colId xmlns:a16="http://schemas.microsoft.com/office/drawing/2014/main" xmlns="" val="2958950025"/>
+                      <a16:colId xmlns:a16="http://schemas.microsoft.com/office/drawing/2014/main" val="2958950025"/>
                     </a:ext>
                   </a:extLst>
                 </a:gridCol>
                 <a:gridCol w="539469">
                   <a:extLst>
                     <a:ext uri="{9D8B030D-6E8A-4147-A177-3AD203B41FA5}">
-                      <a16:colId xmlns:a16="http://schemas.microsoft.com/office/drawing/2014/main" xmlns="" val="315992084"/>
+                      <a16:colId xmlns:a16="http://schemas.microsoft.com/office/drawing/2014/main" val="315992084"/>
                     </a:ext>
                   </a:extLst>
                 </a:gridCol>
                 <a:gridCol w="539469">
                   <a:extLst>
                     <a:ext uri="{9D8B030D-6E8A-4147-A177-3AD203B41FA5}">
-                      <a16:colId xmlns:a16="http://schemas.microsoft.com/office/drawing/2014/main" xmlns="" val="962633385"/>
+                      <a16:colId xmlns:a16="http://schemas.microsoft.com/office/drawing/2014/main" val="962633385"/>
                     </a:ext>
                   </a:extLst>
                 </a:gridCol>
                 <a:gridCol w="539469">
                   <a:extLst>
                     <a:ext uri="{9D8B030D-6E8A-4147-A177-3AD203B41FA5}">
-                      <a16:colId xmlns:a16="http://schemas.microsoft.com/office/drawing/2014/main" xmlns="" val="1985844426"/>
+                      <a16:colId xmlns:a16="http://schemas.microsoft.com/office/drawing/2014/main" val="1985844426"/>
                     </a:ext>
                   </a:extLst>
                 </a:gridCol>
                 <a:gridCol w="539469">
                   <a:extLst>
                     <a:ext uri="{9D8B030D-6E8A-4147-A177-3AD203B41FA5}">
-                      <a16:colId xmlns:a16="http://schemas.microsoft.com/office/drawing/2014/main" xmlns="" val="173885675"/>
+                      <a16:colId xmlns:a16="http://schemas.microsoft.com/office/drawing/2014/main" val="173885675"/>
                     </a:ext>
                   </a:extLst>
                 </a:gridCol>
                 <a:gridCol w="539469">
                   <a:extLst>
                     <a:ext uri="{9D8B030D-6E8A-4147-A177-3AD203B41FA5}">
-                      <a16:colId xmlns:a16="http://schemas.microsoft.com/office/drawing/2014/main" xmlns="" val="1196902404"/>
+                      <a16:colId xmlns:a16="http://schemas.microsoft.com/office/drawing/2014/main" val="1196902404"/>
                     </a:ext>
                   </a:extLst>
                 </a:gridCol>
                 <a:gridCol w="539469">
                   <a:extLst>
                     <a:ext uri="{9D8B030D-6E8A-4147-A177-3AD203B41FA5}">
-                      <a16:colId xmlns:a16="http://schemas.microsoft.com/office/drawing/2014/main" xmlns="" val="3576583593"/>
+                      <a16:colId xmlns:a16="http://schemas.microsoft.com/office/drawing/2014/main" val="3576583593"/>
                     </a:ext>
                   </a:extLst>
                 </a:gridCol>
                 <a:gridCol w="539469">
                   <a:extLst>
                     <a:ext uri="{9D8B030D-6E8A-4147-A177-3AD203B41FA5}">
-                      <a16:colId xmlns:a16="http://schemas.microsoft.com/office/drawing/2014/main" xmlns="" val="1807945616"/>
+                      <a16:colId xmlns:a16="http://schemas.microsoft.com/office/drawing/2014/main" val="1807945616"/>
                     </a:ext>
                   </a:extLst>
                 </a:gridCol>
                 <a:gridCol w="539469">
                   <a:extLst>
                     <a:ext uri="{9D8B030D-6E8A-4147-A177-3AD203B41FA5}">
-                      <a16:colId xmlns:a16="http://schemas.microsoft.com/office/drawing/2014/main" xmlns="" val="1719638238"/>
+                      <a16:colId xmlns:a16="http://schemas.microsoft.com/office/drawing/2014/main" val="1719638238"/>
                     </a:ext>
                   </a:extLst>
                 </a:gridCol>
                 <a:gridCol w="539469">
                   <a:extLst>
                     <a:ext uri="{9D8B030D-6E8A-4147-A177-3AD203B41FA5}">
-                      <a16:colId xmlns:a16="http://schemas.microsoft.com/office/drawing/2014/main" xmlns="" val="301325865"/>
+                      <a16:colId xmlns:a16="http://schemas.microsoft.com/office/drawing/2014/main" val="301325865"/>
                     </a:ext>
                   </a:extLst>
                 </a:gridCol>
                 <a:gridCol w="539469">
                   <a:extLst>
                     <a:ext uri="{9D8B030D-6E8A-4147-A177-3AD203B41FA5}">
-                      <a16:colId xmlns:a16="http://schemas.microsoft.com/office/drawing/2014/main" xmlns="" val="1613703355"/>
+                      <a16:colId xmlns:a16="http://schemas.microsoft.com/office/drawing/2014/main" val="1613703355"/>
                     </a:ext>
                   </a:extLst>
                 </a:gridCol>
                 <a:gridCol w="539469">
                   <a:extLst>
                     <a:ext uri="{9D8B030D-6E8A-4147-A177-3AD203B41FA5}">
-                      <a16:colId xmlns:a16="http://schemas.microsoft.com/office/drawing/2014/main" xmlns="" val="3940161714"/>
+                      <a16:colId xmlns:a16="http://schemas.microsoft.com/office/drawing/2014/main" val="3940161714"/>
                     </a:ext>
                   </a:extLst>
                 </a:gridCol>
                 <a:gridCol w="539469">
                   <a:extLst>
                     <a:ext uri="{9D8B030D-6E8A-4147-A177-3AD203B41FA5}">
-                      <a16:colId xmlns:a16="http://schemas.microsoft.com/office/drawing/2014/main" xmlns="" val="2319542359"/>
+                      <a16:colId xmlns:a16="http://schemas.microsoft.com/office/drawing/2014/main" val="2319542359"/>
                     </a:ext>
                   </a:extLst>
                 </a:gridCol>
                 <a:gridCol w="539469">
                   <a:extLst>
                     <a:ext uri="{9D8B030D-6E8A-4147-A177-3AD203B41FA5}">
-                      <a16:colId xmlns:a16="http://schemas.microsoft.com/office/drawing/2014/main" xmlns="" val="1281623815"/>
+                      <a16:colId xmlns:a16="http://schemas.microsoft.com/office/drawing/2014/main" val="1281623815"/>
                     </a:ext>
                   </a:extLst>
                 </a:gridCol>
@@ -40021,7 +40389,7 @@
                 </a:tc>
                 <a:extLst>
                   <a:ext uri="{0D108BD9-81ED-4DB2-BD59-A6C34878D82A}">
-                    <a16:rowId xmlns:a16="http://schemas.microsoft.com/office/drawing/2014/main" xmlns="" val="2074393730"/>
+                    <a16:rowId xmlns:a16="http://schemas.microsoft.com/office/drawing/2014/main" val="2074393730"/>
                   </a:ext>
                 </a:extLst>
               </a:tr>
@@ -40474,7 +40842,7 @@
                 </a:tc>
                 <a:extLst>
                   <a:ext uri="{0D108BD9-81ED-4DB2-BD59-A6C34878D82A}">
-                    <a16:rowId xmlns:a16="http://schemas.microsoft.com/office/drawing/2014/main" xmlns="" val="2659969371"/>
+                    <a16:rowId xmlns:a16="http://schemas.microsoft.com/office/drawing/2014/main" val="2659969371"/>
                   </a:ext>
                 </a:extLst>
               </a:tr>
@@ -40721,7 +41089,7 @@
                 </a:tc>
                 <a:extLst>
                   <a:ext uri="{0D108BD9-81ED-4DB2-BD59-A6C34878D82A}">
-                    <a16:rowId xmlns:a16="http://schemas.microsoft.com/office/drawing/2014/main" xmlns="" val="3955692095"/>
+                    <a16:rowId xmlns:a16="http://schemas.microsoft.com/office/drawing/2014/main" val="3955692095"/>
                   </a:ext>
                 </a:extLst>
               </a:tr>
@@ -40968,7 +41336,7 @@
                 </a:tc>
                 <a:extLst>
                   <a:ext uri="{0D108BD9-81ED-4DB2-BD59-A6C34878D82A}">
-                    <a16:rowId xmlns:a16="http://schemas.microsoft.com/office/drawing/2014/main" xmlns="" val="1389747421"/>
+                    <a16:rowId xmlns:a16="http://schemas.microsoft.com/office/drawing/2014/main" val="1389747421"/>
                   </a:ext>
                 </a:extLst>
               </a:tr>
@@ -41261,7 +41629,7 @@
                 </a:tc>
                 <a:extLst>
                   <a:ext uri="{0D108BD9-81ED-4DB2-BD59-A6C34878D82A}">
-                    <a16:rowId xmlns:a16="http://schemas.microsoft.com/office/drawing/2014/main" xmlns="" val="2891262776"/>
+                    <a16:rowId xmlns:a16="http://schemas.microsoft.com/office/drawing/2014/main" val="2891262776"/>
                   </a:ext>
                 </a:extLst>
               </a:tr>
@@ -41710,154 +42078,154 @@
                 <a:gridCol w="539469">
                   <a:extLst>
                     <a:ext uri="{9D8B030D-6E8A-4147-A177-3AD203B41FA5}">
-                      <a16:colId xmlns:a16="http://schemas.microsoft.com/office/drawing/2014/main" xmlns="" val="2966260843"/>
+                      <a16:colId xmlns:a16="http://schemas.microsoft.com/office/drawing/2014/main" val="2966260843"/>
                     </a:ext>
                   </a:extLst>
                 </a:gridCol>
                 <a:gridCol w="539469">
                   <a:extLst>
                     <a:ext uri="{9D8B030D-6E8A-4147-A177-3AD203B41FA5}">
-                      <a16:colId xmlns:a16="http://schemas.microsoft.com/office/drawing/2014/main" xmlns="" val="2655403497"/>
+                      <a16:colId xmlns:a16="http://schemas.microsoft.com/office/drawing/2014/main" val="2655403497"/>
                     </a:ext>
                   </a:extLst>
                 </a:gridCol>
                 <a:gridCol w="539469">
                   <a:extLst>
                     <a:ext uri="{9D8B030D-6E8A-4147-A177-3AD203B41FA5}">
-                      <a16:colId xmlns:a16="http://schemas.microsoft.com/office/drawing/2014/main" xmlns="" val="51161918"/>
+                      <a16:colId xmlns:a16="http://schemas.microsoft.com/office/drawing/2014/main" val="51161918"/>
                     </a:ext>
                   </a:extLst>
                 </a:gridCol>
                 <a:gridCol w="539469">
                   <a:extLst>
                     <a:ext uri="{9D8B030D-6E8A-4147-A177-3AD203B41FA5}">
-                      <a16:colId xmlns:a16="http://schemas.microsoft.com/office/drawing/2014/main" xmlns="" val="4085757781"/>
+                      <a16:colId xmlns:a16="http://schemas.microsoft.com/office/drawing/2014/main" val="4085757781"/>
                     </a:ext>
                   </a:extLst>
                 </a:gridCol>
                 <a:gridCol w="539469">
                   <a:extLst>
                     <a:ext uri="{9D8B030D-6E8A-4147-A177-3AD203B41FA5}">
-                      <a16:colId xmlns:a16="http://schemas.microsoft.com/office/drawing/2014/main" xmlns="" val="1885259141"/>
+                      <a16:colId xmlns:a16="http://schemas.microsoft.com/office/drawing/2014/main" val="1885259141"/>
                     </a:ext>
                   </a:extLst>
                 </a:gridCol>
                 <a:gridCol w="539469">
                   <a:extLst>
                     <a:ext uri="{9D8B030D-6E8A-4147-A177-3AD203B41FA5}">
-                      <a16:colId xmlns:a16="http://schemas.microsoft.com/office/drawing/2014/main" xmlns="" val="3406693815"/>
+                      <a16:colId xmlns:a16="http://schemas.microsoft.com/office/drawing/2014/main" val="3406693815"/>
                     </a:ext>
                   </a:extLst>
                 </a:gridCol>
                 <a:gridCol w="539469">
                   <a:extLst>
                     <a:ext uri="{9D8B030D-6E8A-4147-A177-3AD203B41FA5}">
-                      <a16:colId xmlns:a16="http://schemas.microsoft.com/office/drawing/2014/main" xmlns="" val="551427343"/>
+                      <a16:colId xmlns:a16="http://schemas.microsoft.com/office/drawing/2014/main" val="551427343"/>
                     </a:ext>
                   </a:extLst>
                 </a:gridCol>
                 <a:gridCol w="539469">
                   <a:extLst>
                     <a:ext uri="{9D8B030D-6E8A-4147-A177-3AD203B41FA5}">
-                      <a16:colId xmlns:a16="http://schemas.microsoft.com/office/drawing/2014/main" xmlns="" val="3236945442"/>
+                      <a16:colId xmlns:a16="http://schemas.microsoft.com/office/drawing/2014/main" val="3236945442"/>
                     </a:ext>
                   </a:extLst>
                 </a:gridCol>
                 <a:gridCol w="539469">
                   <a:extLst>
                     <a:ext uri="{9D8B030D-6E8A-4147-A177-3AD203B41FA5}">
-                      <a16:colId xmlns:a16="http://schemas.microsoft.com/office/drawing/2014/main" xmlns="" val="2958950025"/>
+                      <a16:colId xmlns:a16="http://schemas.microsoft.com/office/drawing/2014/main" val="2958950025"/>
                     </a:ext>
                   </a:extLst>
                 </a:gridCol>
                 <a:gridCol w="539469">
                   <a:extLst>
                     <a:ext uri="{9D8B030D-6E8A-4147-A177-3AD203B41FA5}">
-                      <a16:colId xmlns:a16="http://schemas.microsoft.com/office/drawing/2014/main" xmlns="" val="315992084"/>
+                      <a16:colId xmlns:a16="http://schemas.microsoft.com/office/drawing/2014/main" val="315992084"/>
                     </a:ext>
                   </a:extLst>
                 </a:gridCol>
                 <a:gridCol w="539469">
                   <a:extLst>
                     <a:ext uri="{9D8B030D-6E8A-4147-A177-3AD203B41FA5}">
-                      <a16:colId xmlns:a16="http://schemas.microsoft.com/office/drawing/2014/main" xmlns="" val="962633385"/>
+                      <a16:colId xmlns:a16="http://schemas.microsoft.com/office/drawing/2014/main" val="962633385"/>
                     </a:ext>
                   </a:extLst>
                 </a:gridCol>
                 <a:gridCol w="539469">
                   <a:extLst>
                     <a:ext uri="{9D8B030D-6E8A-4147-A177-3AD203B41FA5}">
-                      <a16:colId xmlns:a16="http://schemas.microsoft.com/office/drawing/2014/main" xmlns="" val="1985844426"/>
+                      <a16:colId xmlns:a16="http://schemas.microsoft.com/office/drawing/2014/main" val="1985844426"/>
                     </a:ext>
                   </a:extLst>
                 </a:gridCol>
                 <a:gridCol w="539469">
                   <a:extLst>
                     <a:ext uri="{9D8B030D-6E8A-4147-A177-3AD203B41FA5}">
-                      <a16:colId xmlns:a16="http://schemas.microsoft.com/office/drawing/2014/main" xmlns="" val="173885675"/>
+                      <a16:colId xmlns:a16="http://schemas.microsoft.com/office/drawing/2014/main" val="173885675"/>
                     </a:ext>
                   </a:extLst>
                 </a:gridCol>
                 <a:gridCol w="539469">
                   <a:extLst>
                     <a:ext uri="{9D8B030D-6E8A-4147-A177-3AD203B41FA5}">
-                      <a16:colId xmlns:a16="http://schemas.microsoft.com/office/drawing/2014/main" xmlns="" val="1196902404"/>
+                      <a16:colId xmlns:a16="http://schemas.microsoft.com/office/drawing/2014/main" val="1196902404"/>
                     </a:ext>
                   </a:extLst>
                 </a:gridCol>
                 <a:gridCol w="539469">
                   <a:extLst>
                     <a:ext uri="{9D8B030D-6E8A-4147-A177-3AD203B41FA5}">
-                      <a16:colId xmlns:a16="http://schemas.microsoft.com/office/drawing/2014/main" xmlns="" val="3576583593"/>
+                      <a16:colId xmlns:a16="http://schemas.microsoft.com/office/drawing/2014/main" val="3576583593"/>
                     </a:ext>
                   </a:extLst>
                 </a:gridCol>
                 <a:gridCol w="539469">
                   <a:extLst>
                     <a:ext uri="{9D8B030D-6E8A-4147-A177-3AD203B41FA5}">
-                      <a16:colId xmlns:a16="http://schemas.microsoft.com/office/drawing/2014/main" xmlns="" val="1807945616"/>
+                      <a16:colId xmlns:a16="http://schemas.microsoft.com/office/drawing/2014/main" val="1807945616"/>
                     </a:ext>
                   </a:extLst>
                 </a:gridCol>
                 <a:gridCol w="539469">
                   <a:extLst>
                     <a:ext uri="{9D8B030D-6E8A-4147-A177-3AD203B41FA5}">
-                      <a16:colId xmlns:a16="http://schemas.microsoft.com/office/drawing/2014/main" xmlns="" val="1719638238"/>
+                      <a16:colId xmlns:a16="http://schemas.microsoft.com/office/drawing/2014/main" val="1719638238"/>
                     </a:ext>
                   </a:extLst>
                 </a:gridCol>
                 <a:gridCol w="539469">
                   <a:extLst>
                     <a:ext uri="{9D8B030D-6E8A-4147-A177-3AD203B41FA5}">
-                      <a16:colId xmlns:a16="http://schemas.microsoft.com/office/drawing/2014/main" xmlns="" val="301325865"/>
+                      <a16:colId xmlns:a16="http://schemas.microsoft.com/office/drawing/2014/main" val="301325865"/>
                     </a:ext>
                   </a:extLst>
                 </a:gridCol>
                 <a:gridCol w="539469">
                   <a:extLst>
                     <a:ext uri="{9D8B030D-6E8A-4147-A177-3AD203B41FA5}">
-                      <a16:colId xmlns:a16="http://schemas.microsoft.com/office/drawing/2014/main" xmlns="" val="1613703355"/>
+                      <a16:colId xmlns:a16="http://schemas.microsoft.com/office/drawing/2014/main" val="1613703355"/>
                     </a:ext>
                   </a:extLst>
                 </a:gridCol>
                 <a:gridCol w="539469">
                   <a:extLst>
                     <a:ext uri="{9D8B030D-6E8A-4147-A177-3AD203B41FA5}">
-                      <a16:colId xmlns:a16="http://schemas.microsoft.com/office/drawing/2014/main" xmlns="" val="3940161714"/>
+                      <a16:colId xmlns:a16="http://schemas.microsoft.com/office/drawing/2014/main" val="3940161714"/>
                     </a:ext>
                   </a:extLst>
                 </a:gridCol>
                 <a:gridCol w="539469">
                   <a:extLst>
                     <a:ext uri="{9D8B030D-6E8A-4147-A177-3AD203B41FA5}">
-                      <a16:colId xmlns:a16="http://schemas.microsoft.com/office/drawing/2014/main" xmlns="" val="2319542359"/>
+                      <a16:colId xmlns:a16="http://schemas.microsoft.com/office/drawing/2014/main" val="2319542359"/>
                     </a:ext>
                   </a:extLst>
                 </a:gridCol>
                 <a:gridCol w="539469">
                   <a:extLst>
                     <a:ext uri="{9D8B030D-6E8A-4147-A177-3AD203B41FA5}">
-                      <a16:colId xmlns:a16="http://schemas.microsoft.com/office/drawing/2014/main" xmlns="" val="1281623815"/>
+                      <a16:colId xmlns:a16="http://schemas.microsoft.com/office/drawing/2014/main" val="1281623815"/>
                     </a:ext>
                   </a:extLst>
                 </a:gridCol>
@@ -42261,7 +42629,7 @@
                 </a:tc>
                 <a:extLst>
                   <a:ext uri="{0D108BD9-81ED-4DB2-BD59-A6C34878D82A}">
-                    <a16:rowId xmlns:a16="http://schemas.microsoft.com/office/drawing/2014/main" xmlns="" val="2074393730"/>
+                    <a16:rowId xmlns:a16="http://schemas.microsoft.com/office/drawing/2014/main" val="2074393730"/>
                   </a:ext>
                 </a:extLst>
               </a:tr>
@@ -42714,7 +43082,7 @@
                 </a:tc>
                 <a:extLst>
                   <a:ext uri="{0D108BD9-81ED-4DB2-BD59-A6C34878D82A}">
-                    <a16:rowId xmlns:a16="http://schemas.microsoft.com/office/drawing/2014/main" xmlns="" val="2659969371"/>
+                    <a16:rowId xmlns:a16="http://schemas.microsoft.com/office/drawing/2014/main" val="2659969371"/>
                   </a:ext>
                 </a:extLst>
               </a:tr>
@@ -42961,7 +43329,7 @@
                 </a:tc>
                 <a:extLst>
                   <a:ext uri="{0D108BD9-81ED-4DB2-BD59-A6C34878D82A}">
-                    <a16:rowId xmlns:a16="http://schemas.microsoft.com/office/drawing/2014/main" xmlns="" val="3955692095"/>
+                    <a16:rowId xmlns:a16="http://schemas.microsoft.com/office/drawing/2014/main" val="3955692095"/>
                   </a:ext>
                 </a:extLst>
               </a:tr>
@@ -43208,7 +43576,7 @@
                 </a:tc>
                 <a:extLst>
                   <a:ext uri="{0D108BD9-81ED-4DB2-BD59-A6C34878D82A}">
-                    <a16:rowId xmlns:a16="http://schemas.microsoft.com/office/drawing/2014/main" xmlns="" val="1389747421"/>
+                    <a16:rowId xmlns:a16="http://schemas.microsoft.com/office/drawing/2014/main" val="1389747421"/>
                   </a:ext>
                 </a:extLst>
               </a:tr>
@@ -43471,7 +43839,7 @@
                 </a:tc>
                 <a:extLst>
                   <a:ext uri="{0D108BD9-81ED-4DB2-BD59-A6C34878D82A}">
-                    <a16:rowId xmlns:a16="http://schemas.microsoft.com/office/drawing/2014/main" xmlns="" val="2891262776"/>
+                    <a16:rowId xmlns:a16="http://schemas.microsoft.com/office/drawing/2014/main" val="2891262776"/>
                   </a:ext>
                 </a:extLst>
               </a:tr>
@@ -43716,7 +44084,7 @@
                 </a:tc>
                 <a:extLst>
                   <a:ext uri="{0D108BD9-81ED-4DB2-BD59-A6C34878D82A}">
-                    <a16:rowId xmlns:a16="http://schemas.microsoft.com/office/drawing/2014/main" xmlns="" val="3117976275"/>
+                    <a16:rowId xmlns:a16="http://schemas.microsoft.com/office/drawing/2014/main" val="3117976275"/>
                   </a:ext>
                 </a:extLst>
               </a:tr>
@@ -43977,7 +44345,7 @@
                 </a:tc>
                 <a:extLst>
                   <a:ext uri="{0D108BD9-81ED-4DB2-BD59-A6C34878D82A}">
-                    <a16:rowId xmlns:a16="http://schemas.microsoft.com/office/drawing/2014/main" xmlns="" val="3354655897"/>
+                    <a16:rowId xmlns:a16="http://schemas.microsoft.com/office/drawing/2014/main" val="3354655897"/>
                   </a:ext>
                 </a:extLst>
               </a:tr>
@@ -44222,7 +44590,7 @@
                 </a:tc>
                 <a:extLst>
                   <a:ext uri="{0D108BD9-81ED-4DB2-BD59-A6C34878D82A}">
-                    <a16:rowId xmlns:a16="http://schemas.microsoft.com/office/drawing/2014/main" xmlns="" val="5243749"/>
+                    <a16:rowId xmlns:a16="http://schemas.microsoft.com/office/drawing/2014/main" val="5243749"/>
                   </a:ext>
                 </a:extLst>
               </a:tr>
@@ -44467,7 +44835,7 @@
                 </a:tc>
                 <a:extLst>
                   <a:ext uri="{0D108BD9-81ED-4DB2-BD59-A6C34878D82A}">
-                    <a16:rowId xmlns:a16="http://schemas.microsoft.com/office/drawing/2014/main" xmlns="" val="3641952057"/>
+                    <a16:rowId xmlns:a16="http://schemas.microsoft.com/office/drawing/2014/main" val="3641952057"/>
                   </a:ext>
                 </a:extLst>
               </a:tr>
@@ -44712,7 +45080,7 @@
                 </a:tc>
                 <a:extLst>
                   <a:ext uri="{0D108BD9-81ED-4DB2-BD59-A6C34878D82A}">
-                    <a16:rowId xmlns:a16="http://schemas.microsoft.com/office/drawing/2014/main" xmlns="" val="3448875948"/>
+                    <a16:rowId xmlns:a16="http://schemas.microsoft.com/office/drawing/2014/main" val="3448875948"/>
                   </a:ext>
                 </a:extLst>
               </a:tr>
@@ -44959,7 +45327,7 @@
                 </a:tc>
                 <a:extLst>
                   <a:ext uri="{0D108BD9-81ED-4DB2-BD59-A6C34878D82A}">
-                    <a16:rowId xmlns:a16="http://schemas.microsoft.com/office/drawing/2014/main" xmlns="" val="2135427651"/>
+                    <a16:rowId xmlns:a16="http://schemas.microsoft.com/office/drawing/2014/main" val="2135427651"/>
                   </a:ext>
                 </a:extLst>
               </a:tr>
@@ -45206,7 +45574,7 @@
                 </a:tc>
                 <a:extLst>
                   <a:ext uri="{0D108BD9-81ED-4DB2-BD59-A6C34878D82A}">
-                    <a16:rowId xmlns:a16="http://schemas.microsoft.com/office/drawing/2014/main" xmlns="" val="398575022"/>
+                    <a16:rowId xmlns:a16="http://schemas.microsoft.com/office/drawing/2014/main" val="398575022"/>
                   </a:ext>
                 </a:extLst>
               </a:tr>
@@ -45464,7 +45832,7 @@
                 </a:tc>
                 <a:extLst>
                   <a:ext uri="{0D108BD9-81ED-4DB2-BD59-A6C34878D82A}">
-                    <a16:rowId xmlns:a16="http://schemas.microsoft.com/office/drawing/2014/main" xmlns="" val="4011171057"/>
+                    <a16:rowId xmlns:a16="http://schemas.microsoft.com/office/drawing/2014/main" val="4011171057"/>
                   </a:ext>
                 </a:extLst>
               </a:tr>
@@ -45711,7 +46079,7 @@
                 </a:tc>
                 <a:extLst>
                   <a:ext uri="{0D108BD9-81ED-4DB2-BD59-A6C34878D82A}">
-                    <a16:rowId xmlns:a16="http://schemas.microsoft.com/office/drawing/2014/main" xmlns="" val="2794319979"/>
+                    <a16:rowId xmlns:a16="http://schemas.microsoft.com/office/drawing/2014/main" val="2794319979"/>
                   </a:ext>
                 </a:extLst>
               </a:tr>
@@ -46038,7 +46406,7 @@
                 </a:tc>
                 <a:extLst>
                   <a:ext uri="{0D108BD9-81ED-4DB2-BD59-A6C34878D82A}">
-                    <a16:rowId xmlns:a16="http://schemas.microsoft.com/office/drawing/2014/main" xmlns="" val="3611183404"/>
+                    <a16:rowId xmlns:a16="http://schemas.microsoft.com/office/drawing/2014/main" val="3611183404"/>
                   </a:ext>
                 </a:extLst>
               </a:tr>
@@ -46214,70 +46582,70 @@
                 <a:gridCol w="711442">
                   <a:extLst>
                     <a:ext uri="{9D8B030D-6E8A-4147-A177-3AD203B41FA5}">
-                      <a16:colId xmlns:a16="http://schemas.microsoft.com/office/drawing/2014/main" xmlns="" val="3291294330"/>
+                      <a16:colId xmlns:a16="http://schemas.microsoft.com/office/drawing/2014/main" val="3291294330"/>
                     </a:ext>
                   </a:extLst>
                 </a:gridCol>
                 <a:gridCol w="711442">
                   <a:extLst>
                     <a:ext uri="{9D8B030D-6E8A-4147-A177-3AD203B41FA5}">
-                      <a16:colId xmlns:a16="http://schemas.microsoft.com/office/drawing/2014/main" xmlns="" val="2449873047"/>
+                      <a16:colId xmlns:a16="http://schemas.microsoft.com/office/drawing/2014/main" val="2449873047"/>
                     </a:ext>
                   </a:extLst>
                 </a:gridCol>
                 <a:gridCol w="711442">
                   <a:extLst>
                     <a:ext uri="{9D8B030D-6E8A-4147-A177-3AD203B41FA5}">
-                      <a16:colId xmlns:a16="http://schemas.microsoft.com/office/drawing/2014/main" xmlns="" val="1342379395"/>
+                      <a16:colId xmlns:a16="http://schemas.microsoft.com/office/drawing/2014/main" val="1342379395"/>
                     </a:ext>
                   </a:extLst>
                 </a:gridCol>
                 <a:gridCol w="711442">
                   <a:extLst>
                     <a:ext uri="{9D8B030D-6E8A-4147-A177-3AD203B41FA5}">
-                      <a16:colId xmlns:a16="http://schemas.microsoft.com/office/drawing/2014/main" xmlns="" val="2235243793"/>
+                      <a16:colId xmlns:a16="http://schemas.microsoft.com/office/drawing/2014/main" val="2235243793"/>
                     </a:ext>
                   </a:extLst>
                 </a:gridCol>
                 <a:gridCol w="711442">
                   <a:extLst>
                     <a:ext uri="{9D8B030D-6E8A-4147-A177-3AD203B41FA5}">
-                      <a16:colId xmlns:a16="http://schemas.microsoft.com/office/drawing/2014/main" xmlns="" val="2346815053"/>
+                      <a16:colId xmlns:a16="http://schemas.microsoft.com/office/drawing/2014/main" val="2346815053"/>
                     </a:ext>
                   </a:extLst>
                 </a:gridCol>
                 <a:gridCol w="711442">
                   <a:extLst>
                     <a:ext uri="{9D8B030D-6E8A-4147-A177-3AD203B41FA5}">
-                      <a16:colId xmlns:a16="http://schemas.microsoft.com/office/drawing/2014/main" xmlns="" val="1937363244"/>
+                      <a16:colId xmlns:a16="http://schemas.microsoft.com/office/drawing/2014/main" val="1937363244"/>
                     </a:ext>
                   </a:extLst>
                 </a:gridCol>
                 <a:gridCol w="711442">
                   <a:extLst>
                     <a:ext uri="{9D8B030D-6E8A-4147-A177-3AD203B41FA5}">
-                      <a16:colId xmlns:a16="http://schemas.microsoft.com/office/drawing/2014/main" xmlns="" val="2131676106"/>
+                      <a16:colId xmlns:a16="http://schemas.microsoft.com/office/drawing/2014/main" val="2131676106"/>
                     </a:ext>
                   </a:extLst>
                 </a:gridCol>
                 <a:gridCol w="711442">
                   <a:extLst>
                     <a:ext uri="{9D8B030D-6E8A-4147-A177-3AD203B41FA5}">
-                      <a16:colId xmlns:a16="http://schemas.microsoft.com/office/drawing/2014/main" xmlns="" val="2820348441"/>
+                      <a16:colId xmlns:a16="http://schemas.microsoft.com/office/drawing/2014/main" val="2820348441"/>
                     </a:ext>
                   </a:extLst>
                 </a:gridCol>
                 <a:gridCol w="711442">
                   <a:extLst>
                     <a:ext uri="{9D8B030D-6E8A-4147-A177-3AD203B41FA5}">
-                      <a16:colId xmlns:a16="http://schemas.microsoft.com/office/drawing/2014/main" xmlns="" val="3348706469"/>
+                      <a16:colId xmlns:a16="http://schemas.microsoft.com/office/drawing/2014/main" val="3348706469"/>
                     </a:ext>
                   </a:extLst>
                 </a:gridCol>
                 <a:gridCol w="711442">
                   <a:extLst>
                     <a:ext uri="{9D8B030D-6E8A-4147-A177-3AD203B41FA5}">
-                      <a16:colId xmlns:a16="http://schemas.microsoft.com/office/drawing/2014/main" xmlns="" val="945431576"/>
+                      <a16:colId xmlns:a16="http://schemas.microsoft.com/office/drawing/2014/main" val="945431576"/>
                     </a:ext>
                   </a:extLst>
                 </a:gridCol>
@@ -46465,7 +46833,7 @@
                 </a:tc>
                 <a:extLst>
                   <a:ext uri="{0D108BD9-81ED-4DB2-BD59-A6C34878D82A}">
-                    <a16:rowId xmlns:a16="http://schemas.microsoft.com/office/drawing/2014/main" xmlns="" val="1729245899"/>
+                    <a16:rowId xmlns:a16="http://schemas.microsoft.com/office/drawing/2014/main" val="1729245899"/>
                   </a:ext>
                 </a:extLst>
               </a:tr>
@@ -46682,7 +47050,7 @@
                 </a:tc>
                 <a:extLst>
                   <a:ext uri="{0D108BD9-81ED-4DB2-BD59-A6C34878D82A}">
-                    <a16:rowId xmlns:a16="http://schemas.microsoft.com/office/drawing/2014/main" xmlns="" val="1962690294"/>
+                    <a16:rowId xmlns:a16="http://schemas.microsoft.com/office/drawing/2014/main" val="1962690294"/>
                   </a:ext>
                 </a:extLst>
               </a:tr>
@@ -46830,7 +47198,7 @@
                 </a:tc>
                 <a:extLst>
                   <a:ext uri="{0D108BD9-81ED-4DB2-BD59-A6C34878D82A}">
-                    <a16:rowId xmlns:a16="http://schemas.microsoft.com/office/drawing/2014/main" xmlns="" val="2152051048"/>
+                    <a16:rowId xmlns:a16="http://schemas.microsoft.com/office/drawing/2014/main" val="2152051048"/>
                   </a:ext>
                 </a:extLst>
               </a:tr>
@@ -46978,7 +47346,7 @@
                 </a:tc>
                 <a:extLst>
                   <a:ext uri="{0D108BD9-81ED-4DB2-BD59-A6C34878D82A}">
-                    <a16:rowId xmlns:a16="http://schemas.microsoft.com/office/drawing/2014/main" xmlns="" val="2072173997"/>
+                    <a16:rowId xmlns:a16="http://schemas.microsoft.com/office/drawing/2014/main" val="2072173997"/>
                   </a:ext>
                 </a:extLst>
               </a:tr>
@@ -47126,7 +47494,7 @@
                 </a:tc>
                 <a:extLst>
                   <a:ext uri="{0D108BD9-81ED-4DB2-BD59-A6C34878D82A}">
-                    <a16:rowId xmlns:a16="http://schemas.microsoft.com/office/drawing/2014/main" xmlns="" val="2380429865"/>
+                    <a16:rowId xmlns:a16="http://schemas.microsoft.com/office/drawing/2014/main" val="2380429865"/>
                   </a:ext>
                 </a:extLst>
               </a:tr>
@@ -47274,7 +47642,7 @@
                 </a:tc>
                 <a:extLst>
                   <a:ext uri="{0D108BD9-81ED-4DB2-BD59-A6C34878D82A}">
-                    <a16:rowId xmlns:a16="http://schemas.microsoft.com/office/drawing/2014/main" xmlns="" val="3101229963"/>
+                    <a16:rowId xmlns:a16="http://schemas.microsoft.com/office/drawing/2014/main" val="3101229963"/>
                   </a:ext>
                 </a:extLst>
               </a:tr>
@@ -47424,7 +47792,7 @@
                 </a:tc>
                 <a:extLst>
                   <a:ext uri="{0D108BD9-81ED-4DB2-BD59-A6C34878D82A}">
-                    <a16:rowId xmlns:a16="http://schemas.microsoft.com/office/drawing/2014/main" xmlns="" val="3356009235"/>
+                    <a16:rowId xmlns:a16="http://schemas.microsoft.com/office/drawing/2014/main" val="3356009235"/>
                   </a:ext>
                 </a:extLst>
               </a:tr>
@@ -47572,7 +47940,7 @@
                 </a:tc>
                 <a:extLst>
                   <a:ext uri="{0D108BD9-81ED-4DB2-BD59-A6C34878D82A}">
-                    <a16:rowId xmlns:a16="http://schemas.microsoft.com/office/drawing/2014/main" xmlns="" val="1594166865"/>
+                    <a16:rowId xmlns:a16="http://schemas.microsoft.com/office/drawing/2014/main" val="1594166865"/>
                   </a:ext>
                 </a:extLst>
               </a:tr>
@@ -47720,7 +48088,7 @@
                 </a:tc>
                 <a:extLst>
                   <a:ext uri="{0D108BD9-81ED-4DB2-BD59-A6C34878D82A}">
-                    <a16:rowId xmlns:a16="http://schemas.microsoft.com/office/drawing/2014/main" xmlns="" val="774881045"/>
+                    <a16:rowId xmlns:a16="http://schemas.microsoft.com/office/drawing/2014/main" val="774881045"/>
                   </a:ext>
                 </a:extLst>
               </a:tr>
@@ -47904,70 +48272,70 @@
                 <a:gridCol w="711442">
                   <a:extLst>
                     <a:ext uri="{9D8B030D-6E8A-4147-A177-3AD203B41FA5}">
-                      <a16:colId xmlns:a16="http://schemas.microsoft.com/office/drawing/2014/main" xmlns="" val="3291294330"/>
+                      <a16:colId xmlns:a16="http://schemas.microsoft.com/office/drawing/2014/main" val="3291294330"/>
                     </a:ext>
                   </a:extLst>
                 </a:gridCol>
                 <a:gridCol w="711442">
                   <a:extLst>
                     <a:ext uri="{9D8B030D-6E8A-4147-A177-3AD203B41FA5}">
-                      <a16:colId xmlns:a16="http://schemas.microsoft.com/office/drawing/2014/main" xmlns="" val="2449873047"/>
+                      <a16:colId xmlns:a16="http://schemas.microsoft.com/office/drawing/2014/main" val="2449873047"/>
                     </a:ext>
                   </a:extLst>
                 </a:gridCol>
                 <a:gridCol w="711442">
                   <a:extLst>
                     <a:ext uri="{9D8B030D-6E8A-4147-A177-3AD203B41FA5}">
-                      <a16:colId xmlns:a16="http://schemas.microsoft.com/office/drawing/2014/main" xmlns="" val="1342379395"/>
+                      <a16:colId xmlns:a16="http://schemas.microsoft.com/office/drawing/2014/main" val="1342379395"/>
                     </a:ext>
                   </a:extLst>
                 </a:gridCol>
                 <a:gridCol w="711442">
                   <a:extLst>
                     <a:ext uri="{9D8B030D-6E8A-4147-A177-3AD203B41FA5}">
-                      <a16:colId xmlns:a16="http://schemas.microsoft.com/office/drawing/2014/main" xmlns="" val="2235243793"/>
+                      <a16:colId xmlns:a16="http://schemas.microsoft.com/office/drawing/2014/main" val="2235243793"/>
                     </a:ext>
                   </a:extLst>
                 </a:gridCol>
                 <a:gridCol w="711442">
                   <a:extLst>
                     <a:ext uri="{9D8B030D-6E8A-4147-A177-3AD203B41FA5}">
-                      <a16:colId xmlns:a16="http://schemas.microsoft.com/office/drawing/2014/main" xmlns="" val="2346815053"/>
+                      <a16:colId xmlns:a16="http://schemas.microsoft.com/office/drawing/2014/main" val="2346815053"/>
                     </a:ext>
                   </a:extLst>
                 </a:gridCol>
                 <a:gridCol w="711442">
                   <a:extLst>
                     <a:ext uri="{9D8B030D-6E8A-4147-A177-3AD203B41FA5}">
-                      <a16:colId xmlns:a16="http://schemas.microsoft.com/office/drawing/2014/main" xmlns="" val="1937363244"/>
+                      <a16:colId xmlns:a16="http://schemas.microsoft.com/office/drawing/2014/main" val="1937363244"/>
                     </a:ext>
                   </a:extLst>
                 </a:gridCol>
                 <a:gridCol w="711442">
                   <a:extLst>
                     <a:ext uri="{9D8B030D-6E8A-4147-A177-3AD203B41FA5}">
-                      <a16:colId xmlns:a16="http://schemas.microsoft.com/office/drawing/2014/main" xmlns="" val="2131676106"/>
+                      <a16:colId xmlns:a16="http://schemas.microsoft.com/office/drawing/2014/main" val="2131676106"/>
                     </a:ext>
                   </a:extLst>
                 </a:gridCol>
                 <a:gridCol w="711442">
                   <a:extLst>
                     <a:ext uri="{9D8B030D-6E8A-4147-A177-3AD203B41FA5}">
-                      <a16:colId xmlns:a16="http://schemas.microsoft.com/office/drawing/2014/main" xmlns="" val="2820348441"/>
+                      <a16:colId xmlns:a16="http://schemas.microsoft.com/office/drawing/2014/main" val="2820348441"/>
                     </a:ext>
                   </a:extLst>
                 </a:gridCol>
                 <a:gridCol w="711442">
                   <a:extLst>
                     <a:ext uri="{9D8B030D-6E8A-4147-A177-3AD203B41FA5}">
-                      <a16:colId xmlns:a16="http://schemas.microsoft.com/office/drawing/2014/main" xmlns="" val="3348706469"/>
+                      <a16:colId xmlns:a16="http://schemas.microsoft.com/office/drawing/2014/main" val="3348706469"/>
                     </a:ext>
                   </a:extLst>
                 </a:gridCol>
                 <a:gridCol w="711442">
                   <a:extLst>
                     <a:ext uri="{9D8B030D-6E8A-4147-A177-3AD203B41FA5}">
-                      <a16:colId xmlns:a16="http://schemas.microsoft.com/office/drawing/2014/main" xmlns="" val="945431576"/>
+                      <a16:colId xmlns:a16="http://schemas.microsoft.com/office/drawing/2014/main" val="945431576"/>
                     </a:ext>
                   </a:extLst>
                 </a:gridCol>
@@ -48155,7 +48523,7 @@
                 </a:tc>
                 <a:extLst>
                   <a:ext uri="{0D108BD9-81ED-4DB2-BD59-A6C34878D82A}">
-                    <a16:rowId xmlns:a16="http://schemas.microsoft.com/office/drawing/2014/main" xmlns="" val="1729245899"/>
+                    <a16:rowId xmlns:a16="http://schemas.microsoft.com/office/drawing/2014/main" val="1729245899"/>
                   </a:ext>
                 </a:extLst>
               </a:tr>
@@ -48372,7 +48740,7 @@
                 </a:tc>
                 <a:extLst>
                   <a:ext uri="{0D108BD9-81ED-4DB2-BD59-A6C34878D82A}">
-                    <a16:rowId xmlns:a16="http://schemas.microsoft.com/office/drawing/2014/main" xmlns="" val="1962690294"/>
+                    <a16:rowId xmlns:a16="http://schemas.microsoft.com/office/drawing/2014/main" val="1962690294"/>
                   </a:ext>
                 </a:extLst>
               </a:tr>
@@ -48520,7 +48888,7 @@
                 </a:tc>
                 <a:extLst>
                   <a:ext uri="{0D108BD9-81ED-4DB2-BD59-A6C34878D82A}">
-                    <a16:rowId xmlns:a16="http://schemas.microsoft.com/office/drawing/2014/main" xmlns="" val="2152051048"/>
+                    <a16:rowId xmlns:a16="http://schemas.microsoft.com/office/drawing/2014/main" val="2152051048"/>
                   </a:ext>
                 </a:extLst>
               </a:tr>
@@ -48645,7 +49013,7 @@
                 </a:tc>
                 <a:extLst>
                   <a:ext uri="{0D108BD9-81ED-4DB2-BD59-A6C34878D82A}">
-                    <a16:rowId xmlns:a16="http://schemas.microsoft.com/office/drawing/2014/main" xmlns="" val="2088153612"/>
+                    <a16:rowId xmlns:a16="http://schemas.microsoft.com/office/drawing/2014/main" val="2088153612"/>
                   </a:ext>
                 </a:extLst>
               </a:tr>
@@ -48772,7 +49140,7 @@
                 </a:tc>
                 <a:extLst>
                   <a:ext uri="{0D108BD9-81ED-4DB2-BD59-A6C34878D82A}">
-                    <a16:rowId xmlns:a16="http://schemas.microsoft.com/office/drawing/2014/main" xmlns="" val="4221968316"/>
+                    <a16:rowId xmlns:a16="http://schemas.microsoft.com/office/drawing/2014/main" val="4221968316"/>
                   </a:ext>
                 </a:extLst>
               </a:tr>
@@ -48901,7 +49269,7 @@
                 </a:tc>
                 <a:extLst>
                   <a:ext uri="{0D108BD9-81ED-4DB2-BD59-A6C34878D82A}">
-                    <a16:rowId xmlns:a16="http://schemas.microsoft.com/office/drawing/2014/main" xmlns="" val="3680407304"/>
+                    <a16:rowId xmlns:a16="http://schemas.microsoft.com/office/drawing/2014/main" val="3680407304"/>
                   </a:ext>
                 </a:extLst>
               </a:tr>
@@ -49057,7 +49425,7 @@
                 </a:tc>
                 <a:extLst>
                   <a:ext uri="{0D108BD9-81ED-4DB2-BD59-A6C34878D82A}">
-                    <a16:rowId xmlns:a16="http://schemas.microsoft.com/office/drawing/2014/main" xmlns="" val="1764813534"/>
+                    <a16:rowId xmlns:a16="http://schemas.microsoft.com/office/drawing/2014/main" val="1764813534"/>
                   </a:ext>
                 </a:extLst>
               </a:tr>
@@ -49216,7 +49584,7 @@
                 </a:tc>
                 <a:extLst>
                   <a:ext uri="{0D108BD9-81ED-4DB2-BD59-A6C34878D82A}">
-                    <a16:rowId xmlns:a16="http://schemas.microsoft.com/office/drawing/2014/main" xmlns="" val="491582516"/>
+                    <a16:rowId xmlns:a16="http://schemas.microsoft.com/office/drawing/2014/main" val="491582516"/>
                   </a:ext>
                 </a:extLst>
               </a:tr>
@@ -49474,56 +49842,56 @@
                 <a:gridCol w="711442">
                   <a:extLst>
                     <a:ext uri="{9D8B030D-6E8A-4147-A177-3AD203B41FA5}">
-                      <a16:colId xmlns:a16="http://schemas.microsoft.com/office/drawing/2014/main" xmlns="" val="3291294330"/>
+                      <a16:colId xmlns:a16="http://schemas.microsoft.com/office/drawing/2014/main" val="3291294330"/>
                     </a:ext>
                   </a:extLst>
                 </a:gridCol>
                 <a:gridCol w="711442">
                   <a:extLst>
                     <a:ext uri="{9D8B030D-6E8A-4147-A177-3AD203B41FA5}">
-                      <a16:colId xmlns:a16="http://schemas.microsoft.com/office/drawing/2014/main" xmlns="" val="2449873047"/>
+                      <a16:colId xmlns:a16="http://schemas.microsoft.com/office/drawing/2014/main" val="2449873047"/>
                     </a:ext>
                   </a:extLst>
                 </a:gridCol>
                 <a:gridCol w="711442">
                   <a:extLst>
                     <a:ext uri="{9D8B030D-6E8A-4147-A177-3AD203B41FA5}">
-                      <a16:colId xmlns:a16="http://schemas.microsoft.com/office/drawing/2014/main" xmlns="" val="1342379395"/>
+                      <a16:colId xmlns:a16="http://schemas.microsoft.com/office/drawing/2014/main" val="1342379395"/>
                     </a:ext>
                   </a:extLst>
                 </a:gridCol>
                 <a:gridCol w="711442">
                   <a:extLst>
                     <a:ext uri="{9D8B030D-6E8A-4147-A177-3AD203B41FA5}">
-                      <a16:colId xmlns:a16="http://schemas.microsoft.com/office/drawing/2014/main" xmlns="" val="2235243793"/>
+                      <a16:colId xmlns:a16="http://schemas.microsoft.com/office/drawing/2014/main" val="2235243793"/>
                     </a:ext>
                   </a:extLst>
                 </a:gridCol>
                 <a:gridCol w="711442">
                   <a:extLst>
                     <a:ext uri="{9D8B030D-6E8A-4147-A177-3AD203B41FA5}">
-                      <a16:colId xmlns:a16="http://schemas.microsoft.com/office/drawing/2014/main" xmlns="" val="2346815053"/>
+                      <a16:colId xmlns:a16="http://schemas.microsoft.com/office/drawing/2014/main" val="2346815053"/>
                     </a:ext>
                   </a:extLst>
                 </a:gridCol>
                 <a:gridCol w="711442">
                   <a:extLst>
                     <a:ext uri="{9D8B030D-6E8A-4147-A177-3AD203B41FA5}">
-                      <a16:colId xmlns:a16="http://schemas.microsoft.com/office/drawing/2014/main" xmlns="" val="1937363244"/>
+                      <a16:colId xmlns:a16="http://schemas.microsoft.com/office/drawing/2014/main" val="1937363244"/>
                     </a:ext>
                   </a:extLst>
                 </a:gridCol>
                 <a:gridCol w="711442">
                   <a:extLst>
                     <a:ext uri="{9D8B030D-6E8A-4147-A177-3AD203B41FA5}">
-                      <a16:colId xmlns:a16="http://schemas.microsoft.com/office/drawing/2014/main" xmlns="" val="2131676106"/>
+                      <a16:colId xmlns:a16="http://schemas.microsoft.com/office/drawing/2014/main" val="2131676106"/>
                     </a:ext>
                   </a:extLst>
                 </a:gridCol>
                 <a:gridCol w="711442">
                   <a:extLst>
                     <a:ext uri="{9D8B030D-6E8A-4147-A177-3AD203B41FA5}">
-                      <a16:colId xmlns:a16="http://schemas.microsoft.com/office/drawing/2014/main" xmlns="" val="2820348441"/>
+                      <a16:colId xmlns:a16="http://schemas.microsoft.com/office/drawing/2014/main" val="2820348441"/>
                     </a:ext>
                   </a:extLst>
                 </a:gridCol>
@@ -49675,7 +50043,7 @@
                 </a:tc>
                 <a:extLst>
                   <a:ext uri="{0D108BD9-81ED-4DB2-BD59-A6C34878D82A}">
-                    <a16:rowId xmlns:a16="http://schemas.microsoft.com/office/drawing/2014/main" xmlns="" val="1729245899"/>
+                    <a16:rowId xmlns:a16="http://schemas.microsoft.com/office/drawing/2014/main" val="1729245899"/>
                   </a:ext>
                 </a:extLst>
               </a:tr>
@@ -49850,7 +50218,7 @@
                 </a:tc>
                 <a:extLst>
                   <a:ext uri="{0D108BD9-81ED-4DB2-BD59-A6C34878D82A}">
-                    <a16:rowId xmlns:a16="http://schemas.microsoft.com/office/drawing/2014/main" xmlns="" val="1962690294"/>
+                    <a16:rowId xmlns:a16="http://schemas.microsoft.com/office/drawing/2014/main" val="1962690294"/>
                   </a:ext>
                 </a:extLst>
               </a:tr>
@@ -49978,7 +50346,7 @@
                 </a:tc>
                 <a:extLst>
                   <a:ext uri="{0D108BD9-81ED-4DB2-BD59-A6C34878D82A}">
-                    <a16:rowId xmlns:a16="http://schemas.microsoft.com/office/drawing/2014/main" xmlns="" val="2152051048"/>
+                    <a16:rowId xmlns:a16="http://schemas.microsoft.com/office/drawing/2014/main" val="2152051048"/>
                   </a:ext>
                 </a:extLst>
               </a:tr>
@@ -50083,7 +50451,7 @@
                 </a:tc>
                 <a:extLst>
                   <a:ext uri="{0D108BD9-81ED-4DB2-BD59-A6C34878D82A}">
-                    <a16:rowId xmlns:a16="http://schemas.microsoft.com/office/drawing/2014/main" xmlns="" val="4211926999"/>
+                    <a16:rowId xmlns:a16="http://schemas.microsoft.com/office/drawing/2014/main" val="4211926999"/>
                   </a:ext>
                 </a:extLst>
               </a:tr>
@@ -50218,7 +50586,7 @@
                 </a:tc>
                 <a:extLst>
                   <a:ext uri="{0D108BD9-81ED-4DB2-BD59-A6C34878D82A}">
-                    <a16:rowId xmlns:a16="http://schemas.microsoft.com/office/drawing/2014/main" xmlns="" val="3068662890"/>
+                    <a16:rowId xmlns:a16="http://schemas.microsoft.com/office/drawing/2014/main" val="3068662890"/>
                   </a:ext>
                 </a:extLst>
               </a:tr>
